--- a/Documentação/LLD.pptx
+++ b/Documentação/LLD.pptx
@@ -5,11 +5,10 @@
     <p:sldMasterId id="2147483648" r:id="rId1"/>
   </p:sldMasterIdLst>
   <p:notesMasterIdLst>
-    <p:notesMasterId r:id="rId4"/>
+    <p:notesMasterId r:id="rId3"/>
   </p:notesMasterIdLst>
   <p:sldIdLst>
     <p:sldId id="257" r:id="rId2"/>
-    <p:sldId id="258" r:id="rId3"/>
   </p:sldIdLst>
   <p:sldSz cx="12192000" cy="6858000"/>
   <p:notesSz cx="6858000" cy="9144000"/>
@@ -765,7 +764,7 @@
           <a:p>
             <a:fld id="{56696946-7641-4768-8FEC-6930249BEF47}" type="datetimeFigureOut">
               <a:rPr lang="pt-BR" smtClean="0"/>
-              <a:t>15/10/2020</a:t>
+              <a:t>17/10/2020</a:t>
             </a:fld>
             <a:endParaRPr lang="pt-BR"/>
           </a:p>
@@ -923,7 +922,7 @@
           <a:p>
             <a:fld id="{EAAE754B-99D7-464B-92DE-689AC6910A93}" type="slidenum">
               <a:rPr lang="pt-BR" smtClean="0"/>
-              <a:t>‹#›</a:t>
+              <a:t>‹nº›</a:t>
             </a:fld>
             <a:endParaRPr lang="pt-BR"/>
           </a:p>
@@ -1116,90 +1115,6 @@
 </p:notes>
 </file>
 
-<file path=ppt/notesSlides/notesSlide2.xml><?xml version="1.0" encoding="utf-8"?>
-<p:notes xmlns:a="http://schemas.openxmlformats.org/drawingml/2006/main" xmlns:r="http://schemas.openxmlformats.org/officeDocument/2006/relationships" xmlns:p="http://schemas.openxmlformats.org/presentationml/2006/main">
-  <p:cSld>
-    <p:spTree>
-      <p:nvGrpSpPr>
-        <p:cNvPr id="1" name=""/>
-        <p:cNvGrpSpPr/>
-        <p:nvPr/>
-      </p:nvGrpSpPr>
-      <p:grpSpPr>
-        <a:xfrm>
-          <a:off x="0" y="0"/>
-          <a:ext cx="0" cy="0"/>
-          <a:chOff x="0" y="0"/>
-          <a:chExt cx="0" cy="0"/>
-        </a:xfrm>
-      </p:grpSpPr>
-      <p:sp>
-        <p:nvSpPr>
-          <p:cNvPr id="2" name="Espaço Reservado para Imagem de Slide 1"/>
-          <p:cNvSpPr>
-            <a:spLocks noGrp="1" noRot="1" noChangeAspect="1"/>
-          </p:cNvSpPr>
-          <p:nvPr>
-            <p:ph type="sldImg"/>
-          </p:nvPr>
-        </p:nvSpPr>
-        <p:spPr/>
-      </p:sp>
-      <p:sp>
-        <p:nvSpPr>
-          <p:cNvPr id="3" name="Espaço Reservado para Anotações 2"/>
-          <p:cNvSpPr>
-            <a:spLocks noGrp="1"/>
-          </p:cNvSpPr>
-          <p:nvPr>
-            <p:ph type="body" idx="1"/>
-          </p:nvPr>
-        </p:nvSpPr>
-        <p:spPr/>
-        <p:txBody>
-          <a:bodyPr/>
-          <a:lstStyle/>
-          <a:p>
-            <a:endParaRPr lang="pt-BR" dirty="0"/>
-          </a:p>
-        </p:txBody>
-      </p:sp>
-      <p:sp>
-        <p:nvSpPr>
-          <p:cNvPr id="4" name="Espaço Reservado para Número de Slide 3"/>
-          <p:cNvSpPr>
-            <a:spLocks noGrp="1"/>
-          </p:cNvSpPr>
-          <p:nvPr>
-            <p:ph type="sldNum" sz="quarter" idx="10"/>
-          </p:nvPr>
-        </p:nvSpPr>
-        <p:spPr/>
-        <p:txBody>
-          <a:bodyPr/>
-          <a:lstStyle/>
-          <a:p>
-            <a:fld id="{D2EAF01E-BBEC-45E2-BA50-4FD83ED235C8}" type="slidenum">
-              <a:rPr lang="pt-BR" smtClean="0"/>
-              <a:t>2</a:t>
-            </a:fld>
-            <a:endParaRPr lang="pt-BR"/>
-          </a:p>
-        </p:txBody>
-      </p:sp>
-    </p:spTree>
-    <p:extLst>
-      <p:ext uri="{BB962C8B-B14F-4D97-AF65-F5344CB8AC3E}">
-        <p14:creationId xmlns:p14="http://schemas.microsoft.com/office/powerpoint/2010/main" val="3015797475"/>
-      </p:ext>
-    </p:extLst>
-  </p:cSld>
-  <p:clrMapOvr>
-    <a:masterClrMapping/>
-  </p:clrMapOvr>
-</p:notes>
-</file>
-
 <file path=ppt/slideLayouts/slideLayout1.xml><?xml version="1.0" encoding="utf-8"?>
 <p:sldLayout xmlns:a="http://schemas.openxmlformats.org/drawingml/2006/main" xmlns:r="http://schemas.openxmlformats.org/officeDocument/2006/relationships" xmlns:p="http://schemas.openxmlformats.org/presentationml/2006/main" type="title" preserve="1">
   <p:cSld name="Slide de Título">
@@ -1329,7 +1244,7 @@
           <a:p>
             <a:fld id="{451059EB-A265-4C53-8773-D33503772AD2}" type="datetimeFigureOut">
               <a:rPr lang="pt-BR" smtClean="0"/>
-              <a:t>15/10/2020</a:t>
+              <a:t>17/10/2020</a:t>
             </a:fld>
             <a:endParaRPr lang="pt-BR"/>
           </a:p>
@@ -1371,7 +1286,7 @@
           <a:p>
             <a:fld id="{2294B0CD-2B57-4C3C-92C4-918CD0E5086B}" type="slidenum">
               <a:rPr lang="pt-BR" smtClean="0"/>
-              <a:t>‹#›</a:t>
+              <a:t>‹nº›</a:t>
             </a:fld>
             <a:endParaRPr lang="pt-BR"/>
           </a:p>
@@ -1497,7 +1412,7 @@
           <a:p>
             <a:fld id="{451059EB-A265-4C53-8773-D33503772AD2}" type="datetimeFigureOut">
               <a:rPr lang="pt-BR" smtClean="0"/>
-              <a:t>15/10/2020</a:t>
+              <a:t>17/10/2020</a:t>
             </a:fld>
             <a:endParaRPr lang="pt-BR"/>
           </a:p>
@@ -1539,7 +1454,7 @@
           <a:p>
             <a:fld id="{2294B0CD-2B57-4C3C-92C4-918CD0E5086B}" type="slidenum">
               <a:rPr lang="pt-BR" smtClean="0"/>
-              <a:t>‹#›</a:t>
+              <a:t>‹nº›</a:t>
             </a:fld>
             <a:endParaRPr lang="pt-BR"/>
           </a:p>
@@ -1675,7 +1590,7 @@
           <a:p>
             <a:fld id="{451059EB-A265-4C53-8773-D33503772AD2}" type="datetimeFigureOut">
               <a:rPr lang="pt-BR" smtClean="0"/>
-              <a:t>15/10/2020</a:t>
+              <a:t>17/10/2020</a:t>
             </a:fld>
             <a:endParaRPr lang="pt-BR"/>
           </a:p>
@@ -1717,7 +1632,7 @@
           <a:p>
             <a:fld id="{2294B0CD-2B57-4C3C-92C4-918CD0E5086B}" type="slidenum">
               <a:rPr lang="pt-BR" smtClean="0"/>
-              <a:t>‹#›</a:t>
+              <a:t>‹nº›</a:t>
             </a:fld>
             <a:endParaRPr lang="pt-BR"/>
           </a:p>
@@ -1843,7 +1758,7 @@
           <a:p>
             <a:fld id="{451059EB-A265-4C53-8773-D33503772AD2}" type="datetimeFigureOut">
               <a:rPr lang="pt-BR" smtClean="0"/>
-              <a:t>15/10/2020</a:t>
+              <a:t>17/10/2020</a:t>
             </a:fld>
             <a:endParaRPr lang="pt-BR"/>
           </a:p>
@@ -1885,7 +1800,7 @@
           <a:p>
             <a:fld id="{2294B0CD-2B57-4C3C-92C4-918CD0E5086B}" type="slidenum">
               <a:rPr lang="pt-BR" smtClean="0"/>
-              <a:t>‹#›</a:t>
+              <a:t>‹nº›</a:t>
             </a:fld>
             <a:endParaRPr lang="pt-BR"/>
           </a:p>
@@ -2088,7 +2003,7 @@
           <a:p>
             <a:fld id="{451059EB-A265-4C53-8773-D33503772AD2}" type="datetimeFigureOut">
               <a:rPr lang="pt-BR" smtClean="0"/>
-              <a:t>15/10/2020</a:t>
+              <a:t>17/10/2020</a:t>
             </a:fld>
             <a:endParaRPr lang="pt-BR"/>
           </a:p>
@@ -2130,7 +2045,7 @@
           <a:p>
             <a:fld id="{2294B0CD-2B57-4C3C-92C4-918CD0E5086B}" type="slidenum">
               <a:rPr lang="pt-BR" smtClean="0"/>
-              <a:t>‹#›</a:t>
+              <a:t>‹nº›</a:t>
             </a:fld>
             <a:endParaRPr lang="pt-BR"/>
           </a:p>
@@ -2317,7 +2232,7 @@
           <a:p>
             <a:fld id="{451059EB-A265-4C53-8773-D33503772AD2}" type="datetimeFigureOut">
               <a:rPr lang="pt-BR" smtClean="0"/>
-              <a:t>15/10/2020</a:t>
+              <a:t>17/10/2020</a:t>
             </a:fld>
             <a:endParaRPr lang="pt-BR"/>
           </a:p>
@@ -2359,7 +2274,7 @@
           <a:p>
             <a:fld id="{2294B0CD-2B57-4C3C-92C4-918CD0E5086B}" type="slidenum">
               <a:rPr lang="pt-BR" smtClean="0"/>
-              <a:t>‹#›</a:t>
+              <a:t>‹nº›</a:t>
             </a:fld>
             <a:endParaRPr lang="pt-BR"/>
           </a:p>
@@ -2681,7 +2596,7 @@
           <a:p>
             <a:fld id="{451059EB-A265-4C53-8773-D33503772AD2}" type="datetimeFigureOut">
               <a:rPr lang="pt-BR" smtClean="0"/>
-              <a:t>15/10/2020</a:t>
+              <a:t>17/10/2020</a:t>
             </a:fld>
             <a:endParaRPr lang="pt-BR"/>
           </a:p>
@@ -2723,7 +2638,7 @@
           <a:p>
             <a:fld id="{2294B0CD-2B57-4C3C-92C4-918CD0E5086B}" type="slidenum">
               <a:rPr lang="pt-BR" smtClean="0"/>
-              <a:t>‹#›</a:t>
+              <a:t>‹nº›</a:t>
             </a:fld>
             <a:endParaRPr lang="pt-BR"/>
           </a:p>
@@ -2798,7 +2713,7 @@
           <a:p>
             <a:fld id="{451059EB-A265-4C53-8773-D33503772AD2}" type="datetimeFigureOut">
               <a:rPr lang="pt-BR" smtClean="0"/>
-              <a:t>15/10/2020</a:t>
+              <a:t>17/10/2020</a:t>
             </a:fld>
             <a:endParaRPr lang="pt-BR"/>
           </a:p>
@@ -2840,7 +2755,7 @@
           <a:p>
             <a:fld id="{2294B0CD-2B57-4C3C-92C4-918CD0E5086B}" type="slidenum">
               <a:rPr lang="pt-BR" smtClean="0"/>
-              <a:t>‹#›</a:t>
+              <a:t>‹nº›</a:t>
             </a:fld>
             <a:endParaRPr lang="pt-BR"/>
           </a:p>
@@ -2893,7 +2808,7 @@
           <a:p>
             <a:fld id="{451059EB-A265-4C53-8773-D33503772AD2}" type="datetimeFigureOut">
               <a:rPr lang="pt-BR" smtClean="0"/>
-              <a:t>15/10/2020</a:t>
+              <a:t>17/10/2020</a:t>
             </a:fld>
             <a:endParaRPr lang="pt-BR"/>
           </a:p>
@@ -2935,7 +2850,7 @@
           <a:p>
             <a:fld id="{2294B0CD-2B57-4C3C-92C4-918CD0E5086B}" type="slidenum">
               <a:rPr lang="pt-BR" smtClean="0"/>
-              <a:t>‹#›</a:t>
+              <a:t>‹nº›</a:t>
             </a:fld>
             <a:endParaRPr lang="pt-BR"/>
           </a:p>
@@ -3168,7 +3083,7 @@
           <a:p>
             <a:fld id="{451059EB-A265-4C53-8773-D33503772AD2}" type="datetimeFigureOut">
               <a:rPr lang="pt-BR" smtClean="0"/>
-              <a:t>15/10/2020</a:t>
+              <a:t>17/10/2020</a:t>
             </a:fld>
             <a:endParaRPr lang="pt-BR"/>
           </a:p>
@@ -3210,7 +3125,7 @@
           <a:p>
             <a:fld id="{2294B0CD-2B57-4C3C-92C4-918CD0E5086B}" type="slidenum">
               <a:rPr lang="pt-BR" smtClean="0"/>
-              <a:t>‹#›</a:t>
+              <a:t>‹nº›</a:t>
             </a:fld>
             <a:endParaRPr lang="pt-BR"/>
           </a:p>
@@ -3420,7 +3335,7 @@
           <a:p>
             <a:fld id="{451059EB-A265-4C53-8773-D33503772AD2}" type="datetimeFigureOut">
               <a:rPr lang="pt-BR" smtClean="0"/>
-              <a:t>15/10/2020</a:t>
+              <a:t>17/10/2020</a:t>
             </a:fld>
             <a:endParaRPr lang="pt-BR"/>
           </a:p>
@@ -3462,7 +3377,7 @@
           <a:p>
             <a:fld id="{2294B0CD-2B57-4C3C-92C4-918CD0E5086B}" type="slidenum">
               <a:rPr lang="pt-BR" smtClean="0"/>
-              <a:t>‹#›</a:t>
+              <a:t>‹nº›</a:t>
             </a:fld>
             <a:endParaRPr lang="pt-BR"/>
           </a:p>
@@ -3631,7 +3546,7 @@
           <a:p>
             <a:fld id="{451059EB-A265-4C53-8773-D33503772AD2}" type="datetimeFigureOut">
               <a:rPr lang="pt-BR" smtClean="0"/>
-              <a:t>15/10/2020</a:t>
+              <a:t>17/10/2020</a:t>
             </a:fld>
             <a:endParaRPr lang="pt-BR"/>
           </a:p>
@@ -3709,7 +3624,7 @@
           <a:p>
             <a:fld id="{2294B0CD-2B57-4C3C-92C4-918CD0E5086B}" type="slidenum">
               <a:rPr lang="pt-BR" smtClean="0"/>
-              <a:t>‹#›</a:t>
+              <a:t>‹nº›</a:t>
             </a:fld>
             <a:endParaRPr lang="pt-BR"/>
           </a:p>
@@ -4022,6 +3937,14 @@
 <file path=ppt/slides/slide1.xml><?xml version="1.0" encoding="utf-8"?>
 <p:sld xmlns:a="http://schemas.openxmlformats.org/drawingml/2006/main" xmlns:r="http://schemas.openxmlformats.org/officeDocument/2006/relationships" xmlns:p="http://schemas.openxmlformats.org/presentationml/2006/main">
   <p:cSld>
+    <p:bg>
+      <p:bgPr>
+        <a:solidFill>
+          <a:srgbClr val="081A39"/>
+        </a:solidFill>
+        <a:effectLst/>
+      </p:bgPr>
+    </p:bg>
     <p:spTree>
       <p:nvGrpSpPr>
         <p:cNvPr id="1" name=""/>
@@ -4044,7 +3967,7 @@
         </p:nvSpPr>
         <p:spPr>
           <a:xfrm>
-            <a:off x="4394085" y="1365440"/>
+            <a:off x="4394085" y="1274000"/>
             <a:ext cx="3535253" cy="5422692"/>
           </a:xfrm>
           <a:prstGeom prst="rect">
@@ -4092,7 +4015,7 @@
         </p:nvSpPr>
         <p:spPr>
           <a:xfrm>
-            <a:off x="361834" y="243592"/>
+            <a:off x="361834" y="152152"/>
             <a:ext cx="3259550" cy="1699740"/>
           </a:xfrm>
           <a:prstGeom prst="rect">
@@ -4140,7 +4063,7 @@
         </p:nvSpPr>
         <p:spPr>
           <a:xfrm>
-            <a:off x="5830770" y="3382788"/>
+            <a:off x="5830770" y="3291348"/>
             <a:ext cx="678922" cy="925989"/>
           </a:xfrm>
           <a:custGeom>
@@ -4390,7 +4313,7 @@
         </p:nvGrpSpPr>
         <p:grpSpPr>
           <a:xfrm>
-            <a:off x="5146650" y="4853250"/>
+            <a:off x="5146650" y="4761810"/>
             <a:ext cx="2038823" cy="1312431"/>
             <a:chOff x="5369885" y="3478745"/>
             <a:chExt cx="2119746" cy="1444598"/>
@@ -4733,7 +4656,7 @@
         </p:nvSpPr>
         <p:spPr>
           <a:xfrm>
-            <a:off x="4870798" y="1516657"/>
+            <a:off x="4870798" y="1425217"/>
             <a:ext cx="2591304" cy="276999"/>
           </a:xfrm>
           <a:prstGeom prst="rect">
@@ -4769,7 +4692,7 @@
         </p:nvSpPr>
         <p:spPr>
           <a:xfrm>
-            <a:off x="6833600" y="4708847"/>
+            <a:off x="6833600" y="4617407"/>
             <a:ext cx="706581" cy="369332"/>
           </a:xfrm>
           <a:prstGeom prst="rect">
@@ -4818,7 +4741,7 @@
         </p:blipFill>
         <p:spPr bwMode="auto">
           <a:xfrm>
-            <a:off x="3099482" y="297561"/>
+            <a:off x="3099482" y="206121"/>
             <a:ext cx="416320" cy="411202"/>
           </a:xfrm>
           <a:prstGeom prst="rect">
@@ -4858,7 +4781,7 @@
         </p:blipFill>
         <p:spPr>
           <a:xfrm>
-            <a:off x="495310" y="301446"/>
+            <a:off x="495310" y="210006"/>
             <a:ext cx="2590557" cy="1347926"/>
           </a:xfrm>
           <a:prstGeom prst="rect">
@@ -4888,7 +4811,7 @@
         </p:blipFill>
         <p:spPr>
           <a:xfrm>
-            <a:off x="5067308" y="2894506"/>
+            <a:off x="5067308" y="2803066"/>
             <a:ext cx="2196899" cy="415235"/>
           </a:xfrm>
           <a:prstGeom prst="rect">
@@ -4904,7 +4827,7 @@
         </p:nvGrpSpPr>
         <p:grpSpPr>
           <a:xfrm>
-            <a:off x="5365349" y="1932375"/>
+            <a:off x="5365349" y="1840935"/>
             <a:ext cx="1599143" cy="957505"/>
             <a:chOff x="3804623" y="931514"/>
             <a:chExt cx="4311631" cy="3283920"/>
@@ -5217,7 +5140,7 @@
         </p:blipFill>
         <p:spPr>
           <a:xfrm>
-            <a:off x="5485779" y="6257013"/>
+            <a:off x="5485779" y="6165573"/>
             <a:ext cx="1364910" cy="457423"/>
           </a:xfrm>
           <a:prstGeom prst="rect">
@@ -5233,7 +5156,7 @@
         </p:nvSpPr>
         <p:spPr>
           <a:xfrm>
-            <a:off x="5617783" y="4430500"/>
+            <a:off x="5617783" y="4339060"/>
             <a:ext cx="1096887" cy="276999"/>
           </a:xfrm>
           <a:prstGeom prst="rect">
@@ -5283,7 +5206,7 @@
         </p:blipFill>
         <p:spPr>
           <a:xfrm>
-            <a:off x="786943" y="1010078"/>
+            <a:off x="786943" y="918638"/>
             <a:ext cx="452513" cy="452513"/>
           </a:xfrm>
           <a:prstGeom prst="rect">
@@ -5313,7 +5236,7 @@
         </p:blipFill>
         <p:spPr>
           <a:xfrm>
-            <a:off x="1598087" y="1049441"/>
+            <a:off x="1598087" y="958001"/>
             <a:ext cx="653643" cy="614228"/>
           </a:xfrm>
           <a:prstGeom prst="rect">
@@ -5343,7 +5266,7 @@
         </p:blipFill>
         <p:spPr>
           <a:xfrm>
-            <a:off x="1315451" y="468472"/>
+            <a:off x="1315451" y="377032"/>
             <a:ext cx="694797" cy="370244"/>
           </a:xfrm>
           <a:prstGeom prst="rect">
@@ -5373,7 +5296,7 @@
         </p:blipFill>
         <p:spPr>
           <a:xfrm>
-            <a:off x="1857476" y="877203"/>
+            <a:off x="1857476" y="785763"/>
             <a:ext cx="263478" cy="263478"/>
           </a:xfrm>
           <a:prstGeom prst="rect">
@@ -5403,7 +5326,7 @@
         </p:blipFill>
         <p:spPr>
           <a:xfrm>
-            <a:off x="1182483" y="1615622"/>
+            <a:off x="1182483" y="1524182"/>
             <a:ext cx="960716" cy="274628"/>
           </a:xfrm>
           <a:prstGeom prst="rect">
@@ -5419,7 +5342,7 @@
         </p:nvSpPr>
         <p:spPr>
           <a:xfrm>
-            <a:off x="359207" y="239523"/>
+            <a:off x="359207" y="148083"/>
             <a:ext cx="662995" cy="307777"/>
           </a:xfrm>
           <a:prstGeom prst="rect">
@@ -5469,7 +5392,7 @@
         </p:blipFill>
         <p:spPr>
           <a:xfrm>
-            <a:off x="2202920" y="975585"/>
+            <a:off x="2202920" y="884145"/>
             <a:ext cx="689555" cy="327309"/>
           </a:xfrm>
           <a:prstGeom prst="rect">
@@ -5499,7 +5422,7 @@
         </p:blipFill>
         <p:spPr>
           <a:xfrm>
-            <a:off x="1414284" y="865510"/>
+            <a:off x="1414284" y="774070"/>
             <a:ext cx="367807" cy="367807"/>
           </a:xfrm>
           <a:prstGeom prst="rect">
@@ -5528,7 +5451,7 @@
         </p:blipFill>
         <p:spPr>
           <a:xfrm>
-            <a:off x="5035356" y="4759479"/>
+            <a:off x="5035356" y="4668039"/>
             <a:ext cx="524530" cy="597811"/>
           </a:xfrm>
           <a:prstGeom prst="rect">
@@ -5557,7 +5480,7 @@
         </p:blipFill>
         <p:spPr>
           <a:xfrm>
-            <a:off x="6422058" y="5602567"/>
+            <a:off x="6422058" y="5511127"/>
             <a:ext cx="620813" cy="312420"/>
           </a:xfrm>
           <a:prstGeom prst="rect">
@@ -5579,8 +5502,8 @@
         </p:nvSpPr>
         <p:spPr>
           <a:xfrm>
-            <a:off x="5160710" y="5527826"/>
-            <a:ext cx="1708030" cy="400110"/>
+            <a:off x="5186040" y="5475269"/>
+            <a:ext cx="1708030" cy="338554"/>
           </a:xfrm>
           <a:prstGeom prst="rect">
             <a:avLst/>
@@ -5598,13 +5521,13 @@
           <a:p>
             <a:pPr algn="l"/>
             <a:r>
-              <a:rPr lang="en-US" sz="2000" dirty="0" err="1">
+              <a:rPr lang="en-US" sz="1600" dirty="0" err="1">
                 <a:latin typeface="Comic Sans MS"/>
                 <a:cs typeface="Calibri"/>
               </a:rPr>
               <a:t>JSensors</a:t>
             </a:r>
-            <a:endParaRPr lang="en-US" sz="2000">
+            <a:endParaRPr lang="en-US" sz="1600" dirty="0">
               <a:latin typeface="Comic Sans MS"/>
               <a:cs typeface="Calibri"/>
             </a:endParaRPr>
@@ -5625,7 +5548,7 @@
         </p:nvSpPr>
         <p:spPr>
           <a:xfrm>
-            <a:off x="8612455" y="243591"/>
+            <a:off x="8612455" y="152151"/>
             <a:ext cx="3259550" cy="1699740"/>
           </a:xfrm>
           <a:prstGeom prst="rect">
@@ -5673,7 +5596,7 @@
         </p:nvSpPr>
         <p:spPr>
           <a:xfrm>
-            <a:off x="11032930" y="240124"/>
+            <a:off x="11032930" y="148684"/>
             <a:ext cx="846925" cy="307777"/>
           </a:xfrm>
           <a:prstGeom prst="rect">
@@ -5745,7 +5668,7 @@
         </p:nvCxnSpPr>
         <p:spPr>
           <a:xfrm flipV="1">
-            <a:off x="7000217" y="549494"/>
+            <a:off x="7000217" y="458054"/>
             <a:ext cx="1615965" cy="26276"/>
           </a:xfrm>
           <a:prstGeom prst="straightConnector1">
@@ -5753,7 +5676,7 @@
           </a:prstGeom>
           <a:ln w="57150">
             <a:solidFill>
-              <a:schemeClr val="tx1"/>
+              <a:schemeClr val="bg1"/>
             </a:solidFill>
           </a:ln>
         </p:spPr>
@@ -5788,7 +5711,7 @@
         </p:nvCxnSpPr>
         <p:spPr>
           <a:xfrm flipV="1">
-            <a:off x="3623768" y="562631"/>
+            <a:off x="3623768" y="471191"/>
             <a:ext cx="1537138" cy="1"/>
           </a:xfrm>
           <a:prstGeom prst="straightConnector1">
@@ -5796,7 +5719,7 @@
           </a:prstGeom>
           <a:ln w="57150">
             <a:solidFill>
-              <a:schemeClr val="tx1"/>
+              <a:schemeClr val="bg1"/>
             </a:solidFill>
           </a:ln>
         </p:spPr>
@@ -5829,13 +5752,16 @@
         </p:nvCxnSpPr>
         <p:spPr>
           <a:xfrm flipH="1">
-            <a:off x="5124450" y="570841"/>
+            <a:off x="5139982" y="492538"/>
             <a:ext cx="5255" cy="769885"/>
           </a:xfrm>
           <a:prstGeom prst="straightConnector1">
             <a:avLst/>
           </a:prstGeom>
           <a:ln w="57150">
+            <a:solidFill>
+              <a:schemeClr val="bg1"/>
+            </a:solidFill>
             <a:tailEnd type="triangle"/>
           </a:ln>
         </p:spPr>
@@ -5870,13 +5796,16 @@
         </p:nvCxnSpPr>
         <p:spPr>
           <a:xfrm flipH="1">
-            <a:off x="7029450" y="583979"/>
+            <a:off x="7018055" y="477209"/>
             <a:ext cx="5255" cy="769885"/>
           </a:xfrm>
           <a:prstGeom prst="straightConnector1">
             <a:avLst/>
           </a:prstGeom>
           <a:ln w="57150">
+            <a:solidFill>
+              <a:schemeClr val="bg1"/>
+            </a:solidFill>
             <a:tailEnd type="triangle"/>
           </a:ln>
         </p:spPr>
@@ -5895,1431 +5824,24 @@
           </a:fontRef>
         </p:style>
       </p:cxnSp>
-    </p:spTree>
-    <p:extLst>
-      <p:ext uri="{BB962C8B-B14F-4D97-AF65-F5344CB8AC3E}">
-        <p14:creationId xmlns:p14="http://schemas.microsoft.com/office/powerpoint/2010/main" val="4092178875"/>
-      </p:ext>
-    </p:extLst>
-  </p:cSld>
-  <p:clrMapOvr>
-    <a:masterClrMapping/>
-  </p:clrMapOvr>
-</p:sld>
-</file>
-
-<file path=ppt/slides/slide2.xml><?xml version="1.0" encoding="utf-8"?>
-<p:sld xmlns:a="http://schemas.openxmlformats.org/drawingml/2006/main" xmlns:r="http://schemas.openxmlformats.org/officeDocument/2006/relationships" xmlns:p="http://schemas.openxmlformats.org/presentationml/2006/main">
-  <p:cSld>
-    <p:spTree>
-      <p:nvGrpSpPr>
-        <p:cNvPr id="1" name=""/>
-        <p:cNvGrpSpPr/>
-        <p:nvPr/>
-      </p:nvGrpSpPr>
-      <p:grpSpPr>
-        <a:xfrm>
-          <a:off x="0" y="0"/>
-          <a:ext cx="0" cy="0"/>
-          <a:chOff x="0" y="0"/>
-          <a:chExt cx="0" cy="0"/>
-        </a:xfrm>
-      </p:grpSpPr>
       <p:pic>
         <p:nvPicPr>
-          <p:cNvPr id="33" name="Imagem 32"/>
-          <p:cNvPicPr>
-            <a:picLocks noChangeAspect="1"/>
-          </p:cNvPicPr>
-          <p:nvPr/>
-        </p:nvPicPr>
-        <p:blipFill rotWithShape="1">
-          <a:blip r:embed="rId3">
-            <a:extLst>
-              <a:ext uri="{BEBA8EAE-BF5A-486C-A8C5-ECC9F3942E4B}">
-                <a14:imgProps xmlns:a14="http://schemas.microsoft.com/office/drawing/2010/main">
-                  <a14:imgLayer r:embed="rId4">
-                    <a14:imgEffect>
-                      <a14:backgroundRemoval t="10000" b="90000" l="10000" r="90000">
-                        <a14:foregroundMark x1="42656" y1="31406" x2="42656" y2="31406"/>
-                      </a14:backgroundRemoval>
-                    </a14:imgEffect>
-                  </a14:imgLayer>
-                </a14:imgProps>
-              </a:ext>
-              <a:ext uri="{28A0092B-C50C-407E-A947-70E740481C1C}">
-                <a14:useLocalDpi xmlns:a14="http://schemas.microsoft.com/office/drawing/2010/main" val="0"/>
-              </a:ext>
-            </a:extLst>
-          </a:blip>
-          <a:srcRect l="10000" t="27841" r="9772" b="28068"/>
-          <a:stretch/>
-        </p:blipFill>
-        <p:spPr>
-          <a:xfrm>
-            <a:off x="246001" y="143963"/>
-            <a:ext cx="5723938" cy="3145734"/>
-          </a:xfrm>
-          <a:prstGeom prst="rect">
-            <a:avLst/>
-          </a:prstGeom>
-        </p:spPr>
-      </p:pic>
-      <p:pic>
-        <p:nvPicPr>
-          <p:cNvPr id="6" name="Imagem 5"/>
+          <p:cNvPr id="47" name="Imagem 46"/>
           <p:cNvPicPr>
             <a:picLocks noChangeAspect="1"/>
           </p:cNvPicPr>
           <p:nvPr/>
         </p:nvPicPr>
         <p:blipFill>
-          <a:blip r:embed="rId5" cstate="print">
-            <a:extLst>
-              <a:ext uri="{BEBA8EAE-BF5A-486C-A8C5-ECC9F3942E4B}">
-                <a14:imgProps xmlns:a14="http://schemas.microsoft.com/office/drawing/2010/main">
-                  <a14:imgLayer r:embed="rId6">
-                    <a14:imgEffect>
-                      <a14:backgroundRemoval t="10000" b="94167" l="2632" r="98804">
-                        <a14:foregroundMark x1="11722" y1="35833" x2="11722" y2="35833"/>
-                        <a14:foregroundMark x1="6938" y1="59167" x2="6938" y2="59167"/>
-                        <a14:foregroundMark x1="2632" y1="81667" x2="2632" y2="81667"/>
-                        <a14:foregroundMark x1="33493" y1="94167" x2="33493" y2="94167"/>
-                        <a14:foregroundMark x1="44976" y1="68333" x2="44976" y2="68333"/>
-                        <a14:foregroundMark x1="62679" y1="60000" x2="62679" y2="60000"/>
-                        <a14:foregroundMark x1="68900" y1="64167" x2="68900" y2="64167"/>
-                        <a14:foregroundMark x1="83014" y1="63333" x2="83014" y2="63333"/>
-                        <a14:foregroundMark x1="90431" y1="63333" x2="90431" y2="63333"/>
-                        <a14:foregroundMark x1="90431" y1="70000" x2="90431" y2="70000"/>
-                        <a14:foregroundMark x1="96172" y1="68333" x2="96172" y2="68333"/>
-                        <a14:foregroundMark x1="98804" y1="65833" x2="98804" y2="65833"/>
-                      </a14:backgroundRemoval>
-                    </a14:imgEffect>
-                  </a14:imgLayer>
-                </a14:imgProps>
-              </a:ext>
-              <a:ext uri="{28A0092B-C50C-407E-A947-70E740481C1C}">
-                <a14:useLocalDpi xmlns:a14="http://schemas.microsoft.com/office/drawing/2010/main" val="0"/>
-              </a:ext>
-            </a:extLst>
-          </a:blip>
+          <a:blip r:embed="rId18"/>
           <a:stretch>
             <a:fillRect/>
           </a:stretch>
         </p:blipFill>
         <p:spPr>
           <a:xfrm>
-            <a:off x="3992524" y="116366"/>
-            <a:ext cx="1724175" cy="463658"/>
-          </a:xfrm>
-          <a:prstGeom prst="rect">
-            <a:avLst/>
-          </a:prstGeom>
-        </p:spPr>
-      </p:pic>
-      <p:pic>
-        <p:nvPicPr>
-          <p:cNvPr id="10" name="Imagem 9"/>
-          <p:cNvPicPr>
-            <a:picLocks noChangeAspect="1"/>
-          </p:cNvPicPr>
-          <p:nvPr/>
-        </p:nvPicPr>
-        <p:blipFill>
-          <a:blip r:embed="rId7" cstate="print">
-            <a:extLst>
-              <a:ext uri="{28A0092B-C50C-407E-A947-70E740481C1C}">
-                <a14:useLocalDpi xmlns:a14="http://schemas.microsoft.com/office/drawing/2010/main" val="0"/>
-              </a:ext>
-            </a:extLst>
-          </a:blip>
-          <a:stretch>
-            <a:fillRect/>
-          </a:stretch>
-        </p:blipFill>
-        <p:spPr>
-          <a:xfrm>
-            <a:off x="3352210" y="775522"/>
-            <a:ext cx="576528" cy="555677"/>
-          </a:xfrm>
-          <a:prstGeom prst="rect">
-            <a:avLst/>
-          </a:prstGeom>
-        </p:spPr>
-      </p:pic>
-      <p:pic>
-        <p:nvPicPr>
-          <p:cNvPr id="7" name="Imagem 6"/>
-          <p:cNvPicPr>
-            <a:picLocks noChangeAspect="1"/>
-          </p:cNvPicPr>
-          <p:nvPr/>
-        </p:nvPicPr>
-        <p:blipFill>
-          <a:blip r:embed="rId8" cstate="print">
-            <a:extLst>
-              <a:ext uri="{28A0092B-C50C-407E-A947-70E740481C1C}">
-                <a14:useLocalDpi xmlns:a14="http://schemas.microsoft.com/office/drawing/2010/main" val="0"/>
-              </a:ext>
-            </a:extLst>
-          </a:blip>
-          <a:stretch>
-            <a:fillRect/>
-          </a:stretch>
-        </p:blipFill>
-        <p:spPr>
-          <a:xfrm>
-            <a:off x="1580114" y="1012433"/>
-            <a:ext cx="1594692" cy="849939"/>
-          </a:xfrm>
-          <a:prstGeom prst="rect">
-            <a:avLst/>
-          </a:prstGeom>
-        </p:spPr>
-      </p:pic>
-      <p:pic>
-        <p:nvPicPr>
-          <p:cNvPr id="11" name="Imagem 10"/>
-          <p:cNvPicPr>
-            <a:picLocks noChangeAspect="1"/>
-          </p:cNvPicPr>
-          <p:nvPr/>
-        </p:nvPicPr>
-        <p:blipFill>
-          <a:blip r:embed="rId9" cstate="print">
-            <a:extLst>
-              <a:ext uri="{28A0092B-C50C-407E-A947-70E740481C1C}">
-                <a14:useLocalDpi xmlns:a14="http://schemas.microsoft.com/office/drawing/2010/main" val="0"/>
-              </a:ext>
-            </a:extLst>
-          </a:blip>
-          <a:stretch>
-            <a:fillRect/>
-          </a:stretch>
-        </p:blipFill>
-        <p:spPr>
-          <a:xfrm>
-            <a:off x="4996567" y="2080403"/>
-            <a:ext cx="441332" cy="441332"/>
-          </a:xfrm>
-          <a:prstGeom prst="rect">
-            <a:avLst/>
-          </a:prstGeom>
-        </p:spPr>
-      </p:pic>
-      <p:pic>
-        <p:nvPicPr>
-          <p:cNvPr id="5" name="Imagem 4"/>
-          <p:cNvPicPr>
-            <a:picLocks noChangeAspect="1"/>
-          </p:cNvPicPr>
-          <p:nvPr/>
-        </p:nvPicPr>
-        <p:blipFill>
-          <a:blip r:embed="rId10">
-            <a:extLst>
-              <a:ext uri="{BEBA8EAE-BF5A-486C-A8C5-ECC9F3942E4B}">
-                <a14:imgProps xmlns:a14="http://schemas.microsoft.com/office/drawing/2010/main">
-                  <a14:imgLayer r:embed="rId11">
-                    <a14:imgEffect>
-                      <a14:backgroundRemoval t="1170" b="100000" l="0" r="100000">
-                        <a14:foregroundMark x1="43581" y1="48538" x2="43581" y2="48538"/>
-                        <a14:foregroundMark x1="40203" y1="72515" x2="40203" y2="72515"/>
-                        <a14:foregroundMark x1="35811" y1="92398" x2="35811" y2="92398"/>
-                        <a14:foregroundMark x1="55068" y1="87719" x2="55068" y2="87719"/>
-                      </a14:backgroundRemoval>
-                    </a14:imgEffect>
-                  </a14:imgLayer>
-                </a14:imgProps>
-              </a:ext>
-              <a:ext uri="{28A0092B-C50C-407E-A947-70E740481C1C}">
-                <a14:useLocalDpi xmlns:a14="http://schemas.microsoft.com/office/drawing/2010/main" val="0"/>
-              </a:ext>
-            </a:extLst>
-          </a:blip>
-          <a:stretch>
-            <a:fillRect/>
-          </a:stretch>
-        </p:blipFill>
-        <p:spPr>
-          <a:xfrm>
-            <a:off x="383025" y="1844573"/>
-            <a:ext cx="1289519" cy="744959"/>
-          </a:xfrm>
-          <a:prstGeom prst="rect">
-            <a:avLst/>
-          </a:prstGeom>
-        </p:spPr>
-      </p:pic>
-      <p:pic>
-        <p:nvPicPr>
-          <p:cNvPr id="16" name="Imagem 15"/>
-          <p:cNvPicPr>
-            <a:picLocks noChangeAspect="1"/>
-          </p:cNvPicPr>
-          <p:nvPr/>
-        </p:nvPicPr>
-        <p:blipFill>
-          <a:blip r:embed="rId12"/>
-          <a:stretch>
-            <a:fillRect/>
-          </a:stretch>
-        </p:blipFill>
-        <p:spPr>
-          <a:xfrm>
-            <a:off x="1544674" y="1962757"/>
-            <a:ext cx="2538422" cy="868604"/>
-          </a:xfrm>
-          <a:prstGeom prst="rect">
-            <a:avLst/>
-          </a:prstGeom>
-        </p:spPr>
-      </p:pic>
-      <p:pic>
-        <p:nvPicPr>
-          <p:cNvPr id="19" name="Imagem 18"/>
-          <p:cNvPicPr>
-            <a:picLocks noChangeAspect="1"/>
-          </p:cNvPicPr>
-          <p:nvPr/>
-        </p:nvPicPr>
-        <p:blipFill>
-          <a:blip r:embed="rId13" cstate="print">
-            <a:biLevel thresh="25000"/>
-            <a:extLst>
-              <a:ext uri="{28A0092B-C50C-407E-A947-70E740481C1C}">
-                <a14:useLocalDpi xmlns:a14="http://schemas.microsoft.com/office/drawing/2010/main" val="0"/>
-              </a:ext>
-            </a:extLst>
-          </a:blip>
-          <a:stretch>
-            <a:fillRect/>
-          </a:stretch>
-        </p:blipFill>
-        <p:spPr>
-          <a:xfrm>
-            <a:off x="5359965" y="4520899"/>
-            <a:ext cx="1687304" cy="1687304"/>
-          </a:xfrm>
-          <a:prstGeom prst="rect">
-            <a:avLst/>
-          </a:prstGeom>
-        </p:spPr>
-      </p:pic>
-      <p:cxnSp>
-        <p:nvCxnSpPr>
-          <p:cNvPr id="21" name="Conector reto 20"/>
-          <p:cNvCxnSpPr/>
-          <p:nvPr/>
-        </p:nvCxnSpPr>
-        <p:spPr>
-          <a:xfrm>
-            <a:off x="2757055" y="3144721"/>
-            <a:ext cx="3180968" cy="2233931"/>
-          </a:xfrm>
-          <a:prstGeom prst="line">
-            <a:avLst/>
-          </a:prstGeom>
-          <a:ln w="38100">
-            <a:solidFill>
-              <a:schemeClr val="tx1"/>
-            </a:solidFill>
-          </a:ln>
-        </p:spPr>
-        <p:style>
-          <a:lnRef idx="1">
-            <a:schemeClr val="accent1"/>
-          </a:lnRef>
-          <a:fillRef idx="0">
-            <a:schemeClr val="accent1"/>
-          </a:fillRef>
-          <a:effectRef idx="0">
-            <a:schemeClr val="accent1"/>
-          </a:effectRef>
-          <a:fontRef idx="minor">
-            <a:schemeClr val="tx1"/>
-          </a:fontRef>
-        </p:style>
-      </p:cxnSp>
-      <p:cxnSp>
-        <p:nvCxnSpPr>
-          <p:cNvPr id="25" name="Conector reto 24"/>
-          <p:cNvCxnSpPr/>
-          <p:nvPr/>
-        </p:nvCxnSpPr>
-        <p:spPr>
-          <a:xfrm flipH="1">
-            <a:off x="6459506" y="1895314"/>
-            <a:ext cx="4645708" cy="3511108"/>
-          </a:xfrm>
-          <a:prstGeom prst="line">
-            <a:avLst/>
-          </a:prstGeom>
-          <a:ln w="38100">
-            <a:solidFill>
-              <a:schemeClr val="tx1"/>
-            </a:solidFill>
-          </a:ln>
-        </p:spPr>
-        <p:style>
-          <a:lnRef idx="1">
-            <a:schemeClr val="accent1"/>
-          </a:lnRef>
-          <a:fillRef idx="0">
-            <a:schemeClr val="accent1"/>
-          </a:fillRef>
-          <a:effectRef idx="0">
-            <a:schemeClr val="accent1"/>
-          </a:effectRef>
-          <a:fontRef idx="minor">
-            <a:schemeClr val="tx1"/>
-          </a:fontRef>
-        </p:style>
-      </p:cxnSp>
-      <p:pic>
-        <p:nvPicPr>
-          <p:cNvPr id="28" name="Imagem 27"/>
-          <p:cNvPicPr>
-            <a:picLocks noChangeAspect="1"/>
-          </p:cNvPicPr>
-          <p:nvPr/>
-        </p:nvPicPr>
-        <p:blipFill>
-          <a:blip r:embed="rId14" cstate="print">
-            <a:extLst>
-              <a:ext uri="{28A0092B-C50C-407E-A947-70E740481C1C}">
-                <a14:useLocalDpi xmlns:a14="http://schemas.microsoft.com/office/drawing/2010/main" val="0"/>
-              </a:ext>
-            </a:extLst>
-          </a:blip>
-          <a:stretch>
-            <a:fillRect/>
-          </a:stretch>
-        </p:blipFill>
-        <p:spPr>
-          <a:xfrm>
-            <a:off x="8870058" y="-65511"/>
-            <a:ext cx="3107426" cy="2330570"/>
-          </a:xfrm>
-          <a:prstGeom prst="rect">
-            <a:avLst/>
-          </a:prstGeom>
-        </p:spPr>
-      </p:pic>
-      <p:pic>
-        <p:nvPicPr>
-          <p:cNvPr id="24" name="Imagem 23"/>
-          <p:cNvPicPr>
-            <a:picLocks noChangeAspect="1"/>
-          </p:cNvPicPr>
-          <p:nvPr/>
-        </p:nvPicPr>
-        <p:blipFill>
-          <a:blip r:embed="rId15" cstate="print">
-            <a:extLst>
-              <a:ext uri="{BEBA8EAE-BF5A-486C-A8C5-ECC9F3942E4B}">
-                <a14:imgProps xmlns:a14="http://schemas.microsoft.com/office/drawing/2010/main">
-                  <a14:imgLayer r:embed="rId16">
-                    <a14:imgEffect>
-                      <a14:backgroundRemoval t="0" b="100000" l="0" r="100000">
-                        <a14:backgroundMark x1="57778" y1="4000" x2="57778" y2="4000"/>
-                        <a14:backgroundMark x1="41778" y1="3556" x2="41778" y2="3556"/>
-                      </a14:backgroundRemoval>
-                    </a14:imgEffect>
-                  </a14:imgLayer>
-                </a14:imgProps>
-              </a:ext>
-              <a:ext uri="{28A0092B-C50C-407E-A947-70E740481C1C}">
-                <a14:useLocalDpi xmlns:a14="http://schemas.microsoft.com/office/drawing/2010/main" val="0"/>
-              </a:ext>
-            </a:extLst>
-          </a:blip>
-          <a:stretch>
-            <a:fillRect/>
-          </a:stretch>
-        </p:blipFill>
-        <p:spPr>
-          <a:xfrm>
-            <a:off x="8971277" y="924051"/>
-            <a:ext cx="792779" cy="792779"/>
-          </a:xfrm>
-          <a:prstGeom prst="rect">
-            <a:avLst/>
-          </a:prstGeom>
-        </p:spPr>
-      </p:pic>
-      <p:sp>
-        <p:nvSpPr>
-          <p:cNvPr id="34" name="CaixaDeTexto 33"/>
-          <p:cNvSpPr txBox="1"/>
-          <p:nvPr/>
-        </p:nvSpPr>
-        <p:spPr>
-          <a:xfrm>
-            <a:off x="11042990" y="1581079"/>
-            <a:ext cx="706581" cy="369332"/>
-          </a:xfrm>
-          <a:prstGeom prst="rect">
-            <a:avLst/>
-          </a:prstGeom>
-          <a:solidFill>
-            <a:schemeClr val="tx1"/>
-          </a:solidFill>
-        </p:spPr>
-        <p:txBody>
-          <a:bodyPr wrap="square" rtlCol="0">
-            <a:spAutoFit/>
-          </a:bodyPr>
-          <a:lstStyle/>
-          <a:p>
-            <a:r>
-              <a:rPr lang="pt-BR" b="1" dirty="0">
-                <a:solidFill>
-                  <a:schemeClr val="bg1"/>
-                </a:solidFill>
-                <a:latin typeface="Berlin Sans FB Demi" panose="020E0802020502020306" pitchFamily="34" charset="0"/>
-              </a:rPr>
-              <a:t>OSHI</a:t>
-            </a:r>
-          </a:p>
-        </p:txBody>
-      </p:sp>
-      <p:pic>
-        <p:nvPicPr>
-          <p:cNvPr id="1026" name="Picture 2" descr="JivoChat: a melhor ferramenta de chat online para o seu site | Luciano  Larrossa"/>
-          <p:cNvPicPr>
-            <a:picLocks noChangeAspect="1" noChangeArrowheads="1"/>
-          </p:cNvPicPr>
-          <p:nvPr/>
-        </p:nvPicPr>
-        <p:blipFill>
-          <a:blip r:embed="rId17">
-            <a:extLst>
-              <a:ext uri="{28A0092B-C50C-407E-A947-70E740481C1C}">
-                <a14:useLocalDpi xmlns:a14="http://schemas.microsoft.com/office/drawing/2010/main" val="0"/>
-              </a:ext>
-            </a:extLst>
-          </a:blip>
-          <a:srcRect/>
-          <a:stretch>
-            <a:fillRect/>
-          </a:stretch>
-        </p:blipFill>
-        <p:spPr bwMode="auto">
-          <a:xfrm>
-            <a:off x="373516" y="4561495"/>
-            <a:ext cx="1035756" cy="1330947"/>
-          </a:xfrm>
-          <a:prstGeom prst="rect">
-            <a:avLst/>
-          </a:prstGeom>
-          <a:noFill/>
-          <a:extLst>
-            <a:ext uri="{909E8E84-426E-40DD-AFC4-6F175D3DCCD1}">
-              <a14:hiddenFill xmlns:a14="http://schemas.microsoft.com/office/drawing/2010/main">
-                <a:solidFill>
-                  <a:srgbClr val="FFFFFF"/>
-                </a:solidFill>
-              </a14:hiddenFill>
-            </a:ext>
-          </a:extLst>
-        </p:spPr>
-      </p:pic>
-      <p:cxnSp>
-        <p:nvCxnSpPr>
-          <p:cNvPr id="36" name="Conector reto 35"/>
-          <p:cNvCxnSpPr/>
-          <p:nvPr/>
-        </p:nvCxnSpPr>
-        <p:spPr>
-          <a:xfrm>
-            <a:off x="1388170" y="5226969"/>
-            <a:ext cx="4396547" cy="625583"/>
-          </a:xfrm>
-          <a:prstGeom prst="line">
-            <a:avLst/>
-          </a:prstGeom>
-          <a:ln w="38100">
-            <a:solidFill>
-              <a:schemeClr val="tx1"/>
-            </a:solidFill>
-          </a:ln>
-        </p:spPr>
-        <p:style>
-          <a:lnRef idx="1">
-            <a:schemeClr val="accent1"/>
-          </a:lnRef>
-          <a:fillRef idx="0">
-            <a:schemeClr val="accent1"/>
-          </a:fillRef>
-          <a:effectRef idx="0">
-            <a:schemeClr val="accent1"/>
-          </a:effectRef>
-          <a:fontRef idx="minor">
-            <a:schemeClr val="tx1"/>
-          </a:fontRef>
-        </p:style>
-      </p:cxnSp>
-      <p:pic>
-        <p:nvPicPr>
-          <p:cNvPr id="73" name="Imagem 72"/>
-          <p:cNvPicPr>
-            <a:picLocks noChangeAspect="1"/>
-          </p:cNvPicPr>
-          <p:nvPr/>
-        </p:nvPicPr>
-        <p:blipFill>
-          <a:blip r:embed="rId18" cstate="print">
-            <a:extLst>
-              <a:ext uri="{28A0092B-C50C-407E-A947-70E740481C1C}">
-                <a14:useLocalDpi xmlns:a14="http://schemas.microsoft.com/office/drawing/2010/main" val="0"/>
-              </a:ext>
-            </a:extLst>
-          </a:blip>
-          <a:stretch>
-            <a:fillRect/>
-          </a:stretch>
-        </p:blipFill>
-        <p:spPr>
-          <a:xfrm>
-            <a:off x="11113663" y="4649160"/>
-            <a:ext cx="635908" cy="635908"/>
-          </a:xfrm>
-          <a:prstGeom prst="rect">
-            <a:avLst/>
-          </a:prstGeom>
-        </p:spPr>
-      </p:pic>
-      <p:grpSp>
-        <p:nvGrpSpPr>
-          <p:cNvPr id="74" name="Google Shape;1513;p52"/>
-          <p:cNvGrpSpPr/>
-          <p:nvPr/>
-        </p:nvGrpSpPr>
-        <p:grpSpPr>
-          <a:xfrm>
-            <a:off x="9674447" y="4244815"/>
-            <a:ext cx="2119746" cy="1444598"/>
-            <a:chOff x="3804623" y="931514"/>
-            <a:chExt cx="4311631" cy="3283920"/>
-          </a:xfrm>
-        </p:grpSpPr>
-        <p:grpSp>
-          <p:nvGrpSpPr>
-            <p:cNvPr id="75" name="Google Shape;1514;p52"/>
-            <p:cNvGrpSpPr/>
-            <p:nvPr/>
-          </p:nvGrpSpPr>
-          <p:grpSpPr>
-            <a:xfrm>
-              <a:off x="3804623" y="931514"/>
-              <a:ext cx="4311631" cy="3283920"/>
-              <a:chOff x="3420275" y="729475"/>
-              <a:chExt cx="4831500" cy="3679875"/>
-            </a:xfrm>
-          </p:grpSpPr>
-          <p:sp>
-            <p:nvSpPr>
-              <p:cNvPr id="77" name="Google Shape;1515;p52"/>
-              <p:cNvSpPr/>
-              <p:nvPr/>
-            </p:nvSpPr>
-            <p:spPr>
-              <a:xfrm>
-                <a:off x="3586250" y="883825"/>
-                <a:ext cx="4503600" cy="2746200"/>
-              </a:xfrm>
-              <a:prstGeom prst="rect">
-                <a:avLst/>
-              </a:prstGeom>
-              <a:noFill/>
-              <a:ln w="19050" cap="flat" cmpd="sng">
-                <a:solidFill>
-                  <a:schemeClr val="tx1"/>
-                </a:solidFill>
-                <a:prstDash val="solid"/>
-                <a:round/>
-                <a:headEnd type="none" w="sm" len="sm"/>
-                <a:tailEnd type="none" w="sm" len="sm"/>
-              </a:ln>
-            </p:spPr>
-            <p:txBody>
-              <a:bodyPr spcFirstLastPara="1" wrap="square" lIns="91425" tIns="91425" rIns="91425" bIns="91425" anchor="ctr" anchorCtr="0">
-                <a:noAutofit/>
-              </a:bodyPr>
-              <a:lstStyle/>
-              <a:p>
-                <a:pPr marL="0" lvl="0" indent="0" algn="l" rtl="0">
-                  <a:spcBef>
-                    <a:spcPts val="0"/>
-                  </a:spcBef>
-                  <a:spcAft>
-                    <a:spcPts val="0"/>
-                  </a:spcAft>
-                  <a:buNone/>
-                </a:pPr>
-                <a:endParaRPr b="1"/>
-              </a:p>
-            </p:txBody>
-          </p:sp>
-          <p:sp>
-            <p:nvSpPr>
-              <p:cNvPr id="78" name="Google Shape;1516;p52"/>
-              <p:cNvSpPr/>
-              <p:nvPr/>
-            </p:nvSpPr>
-            <p:spPr>
-              <a:xfrm>
-                <a:off x="5009044" y="3786200"/>
-                <a:ext cx="1649975" cy="623150"/>
-              </a:xfrm>
-              <a:custGeom>
-                <a:avLst/>
-                <a:gdLst/>
-                <a:ahLst/>
-                <a:cxnLst/>
-                <a:rect l="l" t="t" r="r" b="b"/>
-                <a:pathLst>
-                  <a:path w="65999" h="24926" extrusionOk="0">
-                    <a:moveTo>
-                      <a:pt x="13372" y="0"/>
-                    </a:moveTo>
-                    <a:cubicBezTo>
-                      <a:pt x="13051" y="1881"/>
-                      <a:pt x="12653" y="8225"/>
-                      <a:pt x="11445" y="11283"/>
-                    </a:cubicBezTo>
-                    <a:cubicBezTo>
-                      <a:pt x="10237" y="14341"/>
-                      <a:pt x="7883" y="16511"/>
-                      <a:pt x="6125" y="18346"/>
-                    </a:cubicBezTo>
-                    <a:cubicBezTo>
-                      <a:pt x="4367" y="20181"/>
-                      <a:pt x="1875" y="21297"/>
-                      <a:pt x="896" y="22291"/>
-                    </a:cubicBezTo>
-                    <a:cubicBezTo>
-                      <a:pt x="-82" y="23285"/>
-                      <a:pt x="-174" y="23896"/>
-                      <a:pt x="254" y="24309"/>
-                    </a:cubicBezTo>
-                    <a:cubicBezTo>
-                      <a:pt x="682" y="24722"/>
-                      <a:pt x="805" y="24692"/>
-                      <a:pt x="3465" y="24768"/>
-                    </a:cubicBezTo>
-                    <a:cubicBezTo>
-                      <a:pt x="6125" y="24845"/>
-                      <a:pt x="10925" y="24768"/>
-                      <a:pt x="16215" y="24768"/>
-                    </a:cubicBezTo>
-                    <a:cubicBezTo>
-                      <a:pt x="21505" y="24768"/>
-                      <a:pt x="28630" y="24768"/>
-                      <a:pt x="35204" y="24768"/>
-                    </a:cubicBezTo>
-                    <a:cubicBezTo>
-                      <a:pt x="41778" y="24768"/>
-                      <a:pt x="50783" y="24768"/>
-                      <a:pt x="55660" y="24768"/>
-                    </a:cubicBezTo>
-                    <a:cubicBezTo>
-                      <a:pt x="60537" y="24768"/>
-                      <a:pt x="62754" y="25104"/>
-                      <a:pt x="64466" y="24768"/>
-                    </a:cubicBezTo>
-                    <a:cubicBezTo>
-                      <a:pt x="66178" y="24432"/>
-                      <a:pt x="66056" y="23346"/>
-                      <a:pt x="65934" y="22750"/>
-                    </a:cubicBezTo>
-                    <a:cubicBezTo>
-                      <a:pt x="65812" y="22154"/>
-                      <a:pt x="65353" y="22765"/>
-                      <a:pt x="63732" y="21190"/>
-                    </a:cubicBezTo>
-                    <a:cubicBezTo>
-                      <a:pt x="62111" y="19615"/>
-                      <a:pt x="57999" y="16512"/>
-                      <a:pt x="56210" y="13301"/>
-                    </a:cubicBezTo>
-                    <a:cubicBezTo>
-                      <a:pt x="54421" y="10091"/>
-                      <a:pt x="53505" y="4083"/>
-                      <a:pt x="53000" y="1927"/>
-                    </a:cubicBezTo>
-                    <a:cubicBezTo>
-                      <a:pt x="52496" y="-229"/>
-                      <a:pt x="53153" y="627"/>
-                      <a:pt x="53183" y="367"/>
-                    </a:cubicBezTo>
-                  </a:path>
-                </a:pathLst>
-              </a:custGeom>
-              <a:noFill/>
-              <a:ln w="19050" cap="flat" cmpd="sng">
-                <a:solidFill>
-                  <a:schemeClr val="tx1"/>
-                </a:solidFill>
-                <a:prstDash val="solid"/>
-                <a:round/>
-                <a:headEnd type="none" w="med" len="med"/>
-                <a:tailEnd type="none" w="med" len="med"/>
-              </a:ln>
-            </p:spPr>
-          </p:sp>
-          <p:sp>
-            <p:nvSpPr>
-              <p:cNvPr id="79" name="Google Shape;1517;p52"/>
-              <p:cNvSpPr/>
-              <p:nvPr/>
-            </p:nvSpPr>
-            <p:spPr>
-              <a:xfrm>
-                <a:off x="3420275" y="729475"/>
-                <a:ext cx="4831500" cy="3056700"/>
-              </a:xfrm>
-              <a:prstGeom prst="roundRect">
-                <a:avLst>
-                  <a:gd name="adj" fmla="val 3857"/>
-                </a:avLst>
-              </a:prstGeom>
-              <a:noFill/>
-              <a:ln w="19050" cap="flat" cmpd="sng">
-                <a:solidFill>
-                  <a:schemeClr val="tx1"/>
-                </a:solidFill>
-                <a:prstDash val="solid"/>
-                <a:round/>
-                <a:headEnd type="none" w="sm" len="sm"/>
-                <a:tailEnd type="none" w="sm" len="sm"/>
-              </a:ln>
-            </p:spPr>
-            <p:txBody>
-              <a:bodyPr spcFirstLastPara="1" wrap="square" lIns="91425" tIns="91425" rIns="91425" bIns="91425" anchor="ctr" anchorCtr="0">
-                <a:noAutofit/>
-              </a:bodyPr>
-              <a:lstStyle/>
-              <a:p>
-                <a:pPr marL="0" lvl="0" indent="0" algn="l" rtl="0">
-                  <a:spcBef>
-                    <a:spcPts val="0"/>
-                  </a:spcBef>
-                  <a:spcAft>
-                    <a:spcPts val="0"/>
-                  </a:spcAft>
-                  <a:buNone/>
-                </a:pPr>
-                <a:endParaRPr b="1"/>
-              </a:p>
-            </p:txBody>
-          </p:sp>
-          <p:sp>
-            <p:nvSpPr>
-              <p:cNvPr id="80" name="Google Shape;1518;p52"/>
-              <p:cNvSpPr/>
-              <p:nvPr/>
-            </p:nvSpPr>
-            <p:spPr>
-              <a:xfrm>
-                <a:off x="3453125" y="762775"/>
-                <a:ext cx="4765800" cy="2990100"/>
-              </a:xfrm>
-              <a:prstGeom prst="roundRect">
-                <a:avLst>
-                  <a:gd name="adj" fmla="val 3282"/>
-                </a:avLst>
-              </a:prstGeom>
-              <a:noFill/>
-              <a:ln w="19050" cap="flat" cmpd="sng">
-                <a:solidFill>
-                  <a:schemeClr val="tx1"/>
-                </a:solidFill>
-                <a:prstDash val="solid"/>
-                <a:round/>
-                <a:headEnd type="none" w="sm" len="sm"/>
-                <a:tailEnd type="none" w="sm" len="sm"/>
-              </a:ln>
-            </p:spPr>
-            <p:txBody>
-              <a:bodyPr spcFirstLastPara="1" wrap="square" lIns="91425" tIns="91425" rIns="91425" bIns="91425" anchor="ctr" anchorCtr="0">
-                <a:noAutofit/>
-              </a:bodyPr>
-              <a:lstStyle/>
-              <a:p>
-                <a:pPr marL="0" lvl="0" indent="0" algn="l" rtl="0">
-                  <a:spcBef>
-                    <a:spcPts val="0"/>
-                  </a:spcBef>
-                  <a:spcAft>
-                    <a:spcPts val="0"/>
-                  </a:spcAft>
-                  <a:buNone/>
-                </a:pPr>
-                <a:endParaRPr b="1"/>
-              </a:p>
-            </p:txBody>
-          </p:sp>
-        </p:grpSp>
-        <p:cxnSp>
-          <p:nvCxnSpPr>
-            <p:cNvPr id="76" name="Google Shape;1519;p52"/>
-            <p:cNvCxnSpPr/>
-            <p:nvPr/>
-          </p:nvCxnSpPr>
-          <p:spPr>
-            <a:xfrm>
-              <a:off x="5238353" y="4162783"/>
-              <a:ext cx="1451100" cy="0"/>
-            </a:xfrm>
-            <a:prstGeom prst="straightConnector1">
-              <a:avLst/>
-            </a:prstGeom>
-            <a:noFill/>
-            <a:ln w="19050" cap="flat" cmpd="sng">
-              <a:solidFill>
-                <a:schemeClr val="tx1"/>
-              </a:solidFill>
-              <a:prstDash val="solid"/>
-              <a:round/>
-              <a:headEnd type="none" w="med" len="med"/>
-              <a:tailEnd type="none" w="med" len="med"/>
-            </a:ln>
-          </p:spPr>
-        </p:cxnSp>
-      </p:grpSp>
-      <p:sp>
-        <p:nvSpPr>
-          <p:cNvPr id="81" name="Google Shape;1541;p54"/>
-          <p:cNvSpPr/>
-          <p:nvPr/>
-        </p:nvSpPr>
-        <p:spPr>
-          <a:xfrm>
-            <a:off x="9614206" y="5554970"/>
-            <a:ext cx="562010" cy="1006150"/>
-          </a:xfrm>
-          <a:custGeom>
-            <a:avLst/>
-            <a:gdLst/>
-            <a:ahLst/>
-            <a:cxnLst/>
-            <a:rect l="l" t="t" r="r" b="b"/>
-            <a:pathLst>
-              <a:path w="103480" h="206345" extrusionOk="0">
-                <a:moveTo>
-                  <a:pt x="61741" y="8558"/>
-                </a:moveTo>
-                <a:cubicBezTo>
-                  <a:pt x="62649" y="8558"/>
-                  <a:pt x="62637" y="9975"/>
-                  <a:pt x="61704" y="9975"/>
-                </a:cubicBezTo>
-                <a:cubicBezTo>
-                  <a:pt x="61677" y="9975"/>
-                  <a:pt x="61650" y="9973"/>
-                  <a:pt x="61623" y="9971"/>
-                </a:cubicBezTo>
-                <a:lnTo>
-                  <a:pt x="40979" y="9971"/>
-                </a:lnTo>
-                <a:cubicBezTo>
-                  <a:pt x="40952" y="9973"/>
-                  <a:pt x="40925" y="9975"/>
-                  <a:pt x="40898" y="9975"/>
-                </a:cubicBezTo>
-                <a:cubicBezTo>
-                  <a:pt x="39965" y="9975"/>
-                  <a:pt x="39952" y="8558"/>
-                  <a:pt x="40861" y="8558"/>
-                </a:cubicBezTo>
-                <a:cubicBezTo>
-                  <a:pt x="40899" y="8558"/>
-                  <a:pt x="40938" y="8561"/>
-                  <a:pt x="40979" y="8566"/>
-                </a:cubicBezTo>
-                <a:lnTo>
-                  <a:pt x="61623" y="8566"/>
-                </a:lnTo>
-                <a:cubicBezTo>
-                  <a:pt x="61664" y="8561"/>
-                  <a:pt x="61703" y="8558"/>
-                  <a:pt x="61741" y="8558"/>
-                </a:cubicBezTo>
-                <a:close/>
-                <a:moveTo>
-                  <a:pt x="100713" y="16164"/>
-                </a:moveTo>
-                <a:lnTo>
-                  <a:pt x="100713" y="189567"/>
-                </a:lnTo>
-                <a:lnTo>
-                  <a:pt x="2987" y="189567"/>
-                </a:lnTo>
-                <a:lnTo>
-                  <a:pt x="2987" y="16164"/>
-                </a:lnTo>
-                <a:close/>
-                <a:moveTo>
-                  <a:pt x="22357" y="196638"/>
-                </a:moveTo>
-                <a:lnTo>
-                  <a:pt x="22313" y="197165"/>
-                </a:lnTo>
-                <a:lnTo>
-                  <a:pt x="18448" y="197165"/>
-                </a:lnTo>
-                <a:lnTo>
-                  <a:pt x="18448" y="196638"/>
-                </a:lnTo>
-                <a:close/>
-                <a:moveTo>
-                  <a:pt x="53277" y="196726"/>
-                </a:moveTo>
-                <a:cubicBezTo>
-                  <a:pt x="53365" y="196726"/>
-                  <a:pt x="53453" y="196814"/>
-                  <a:pt x="53453" y="196945"/>
-                </a:cubicBezTo>
-                <a:lnTo>
-                  <a:pt x="53453" y="199976"/>
-                </a:lnTo>
-                <a:cubicBezTo>
-                  <a:pt x="53453" y="200064"/>
-                  <a:pt x="53365" y="200152"/>
-                  <a:pt x="53234" y="200152"/>
-                </a:cubicBezTo>
-                <a:lnTo>
-                  <a:pt x="50203" y="200152"/>
-                </a:lnTo>
-                <a:cubicBezTo>
-                  <a:pt x="50071" y="200152"/>
-                  <a:pt x="49983" y="200064"/>
-                  <a:pt x="49983" y="199976"/>
-                </a:cubicBezTo>
-                <a:lnTo>
-                  <a:pt x="49983" y="196945"/>
-                </a:lnTo>
-                <a:cubicBezTo>
-                  <a:pt x="49983" y="196814"/>
-                  <a:pt x="50071" y="196726"/>
-                  <a:pt x="50203" y="196726"/>
-                </a:cubicBezTo>
-                <a:close/>
-                <a:moveTo>
-                  <a:pt x="80706" y="196517"/>
-                </a:moveTo>
-                <a:cubicBezTo>
-                  <a:pt x="80761" y="196517"/>
-                  <a:pt x="80816" y="196528"/>
-                  <a:pt x="80860" y="196550"/>
-                </a:cubicBezTo>
-                <a:cubicBezTo>
-                  <a:pt x="80948" y="196638"/>
-                  <a:pt x="80948" y="196770"/>
-                  <a:pt x="80860" y="196858"/>
-                </a:cubicBezTo>
-                <a:lnTo>
-                  <a:pt x="79455" y="198263"/>
-                </a:lnTo>
-                <a:cubicBezTo>
-                  <a:pt x="79367" y="198351"/>
-                  <a:pt x="79323" y="198439"/>
-                  <a:pt x="79323" y="198527"/>
-                </a:cubicBezTo>
-                <a:cubicBezTo>
-                  <a:pt x="79323" y="198614"/>
-                  <a:pt x="79367" y="198702"/>
-                  <a:pt x="79455" y="198790"/>
-                </a:cubicBezTo>
-                <a:lnTo>
-                  <a:pt x="80860" y="200196"/>
-                </a:lnTo>
-                <a:cubicBezTo>
-                  <a:pt x="80948" y="200284"/>
-                  <a:pt x="80948" y="200415"/>
-                  <a:pt x="80860" y="200503"/>
-                </a:cubicBezTo>
-                <a:cubicBezTo>
-                  <a:pt x="80816" y="200547"/>
-                  <a:pt x="80761" y="200569"/>
-                  <a:pt x="80706" y="200569"/>
-                </a:cubicBezTo>
-                <a:cubicBezTo>
-                  <a:pt x="80652" y="200569"/>
-                  <a:pt x="80597" y="200547"/>
-                  <a:pt x="80553" y="200503"/>
-                </a:cubicBezTo>
-                <a:lnTo>
-                  <a:pt x="79147" y="199098"/>
-                </a:lnTo>
-                <a:cubicBezTo>
-                  <a:pt x="79015" y="198922"/>
-                  <a:pt x="78928" y="198746"/>
-                  <a:pt x="78928" y="198527"/>
-                </a:cubicBezTo>
-                <a:cubicBezTo>
-                  <a:pt x="78928" y="198307"/>
-                  <a:pt x="79015" y="198131"/>
-                  <a:pt x="79147" y="198000"/>
-                </a:cubicBezTo>
-                <a:lnTo>
-                  <a:pt x="80553" y="196550"/>
-                </a:lnTo>
-                <a:cubicBezTo>
-                  <a:pt x="80597" y="196528"/>
-                  <a:pt x="80652" y="196517"/>
-                  <a:pt x="80706" y="196517"/>
-                </a:cubicBezTo>
-                <a:close/>
-                <a:moveTo>
-                  <a:pt x="15461" y="1"/>
-                </a:moveTo>
-                <a:cubicBezTo>
-                  <a:pt x="6940" y="1"/>
-                  <a:pt x="1" y="6941"/>
-                  <a:pt x="1" y="15461"/>
-                </a:cubicBezTo>
-                <a:lnTo>
-                  <a:pt x="1" y="190884"/>
-                </a:lnTo>
-                <a:cubicBezTo>
-                  <a:pt x="1" y="199405"/>
-                  <a:pt x="6940" y="206345"/>
-                  <a:pt x="15461" y="206345"/>
-                </a:cubicBezTo>
-                <a:lnTo>
-                  <a:pt x="88019" y="206345"/>
-                </a:lnTo>
-                <a:cubicBezTo>
-                  <a:pt x="96540" y="206345"/>
-                  <a:pt x="103480" y="199405"/>
-                  <a:pt x="103480" y="190884"/>
-                </a:cubicBezTo>
-                <a:lnTo>
-                  <a:pt x="103480" y="15461"/>
-                </a:lnTo>
-                <a:cubicBezTo>
-                  <a:pt x="103480" y="6941"/>
-                  <a:pt x="96540" y="1"/>
-                  <a:pt x="88019" y="1"/>
-                </a:cubicBezTo>
-                <a:close/>
-              </a:path>
-            </a:pathLst>
-          </a:custGeom>
-          <a:noFill/>
-          <a:ln w="19050" cap="flat" cmpd="sng">
-            <a:solidFill>
-              <a:schemeClr val="tx1"/>
-            </a:solidFill>
-            <a:prstDash val="solid"/>
-            <a:round/>
-            <a:headEnd type="none" w="sm" len="sm"/>
-            <a:tailEnd type="none" w="sm" len="sm"/>
-          </a:ln>
-        </p:spPr>
-        <p:txBody>
-          <a:bodyPr spcFirstLastPara="1" wrap="square" lIns="91425" tIns="91425" rIns="91425" bIns="91425" anchor="ctr" anchorCtr="0">
-            <a:noAutofit/>
-          </a:bodyPr>
-          <a:lstStyle/>
-          <a:p>
-            <a:pPr marL="0" lvl="0" indent="0" algn="l" rtl="0">
-              <a:spcBef>
-                <a:spcPts val="0"/>
-              </a:spcBef>
-              <a:spcAft>
-                <a:spcPts val="0"/>
-              </a:spcAft>
-              <a:buNone/>
-            </a:pPr>
-            <a:endParaRPr b="1"/>
-          </a:p>
-        </p:txBody>
-      </p:sp>
-      <p:pic>
-        <p:nvPicPr>
-          <p:cNvPr id="41" name="Imagem 40"/>
-          <p:cNvPicPr>
-            <a:picLocks noChangeAspect="1"/>
-          </p:cNvPicPr>
-          <p:nvPr/>
-        </p:nvPicPr>
-        <p:blipFill>
-          <a:blip r:embed="rId19" cstate="print">
-            <a:extLst>
-              <a:ext uri="{BEBA8EAE-BF5A-486C-A8C5-ECC9F3942E4B}">
-                <a14:imgProps xmlns:a14="http://schemas.microsoft.com/office/drawing/2010/main">
-                  <a14:imgLayer r:embed="rId20">
-                    <a14:imgEffect>
-                      <a14:backgroundRemoval t="10000" b="90000" l="333" r="99333"/>
-                    </a14:imgEffect>
-                  </a14:imgLayer>
-                </a14:imgProps>
-              </a:ext>
-              <a:ext uri="{28A0092B-C50C-407E-A947-70E740481C1C}">
-                <a14:useLocalDpi xmlns:a14="http://schemas.microsoft.com/office/drawing/2010/main" val="0"/>
-              </a:ext>
-            </a:extLst>
-          </a:blip>
-          <a:stretch>
-            <a:fillRect/>
-          </a:stretch>
-        </p:blipFill>
-        <p:spPr>
-          <a:xfrm>
-            <a:off x="9116581" y="3748660"/>
-            <a:ext cx="1232543" cy="1232543"/>
-          </a:xfrm>
-          <a:prstGeom prst="rect">
-            <a:avLst/>
-          </a:prstGeom>
-        </p:spPr>
-      </p:pic>
-      <p:pic>
-        <p:nvPicPr>
-          <p:cNvPr id="97" name="Imagem 96">
-            <a:extLst>
-              <a:ext uri="{FF2B5EF4-FFF2-40B4-BE49-F238E27FC236}">
-                <a16:creationId xmlns:a16="http://schemas.microsoft.com/office/drawing/2014/main" id="{CA739A7B-CFB1-4884-A4CD-B8812D9643FB}"/>
-              </a:ext>
-            </a:extLst>
-          </p:cNvPr>
-          <p:cNvPicPr>
-            <a:picLocks noChangeAspect="1"/>
-          </p:cNvPicPr>
-          <p:nvPr/>
-        </p:nvPicPr>
-        <p:blipFill>
-          <a:blip r:embed="rId21" cstate="print">
-            <a:biLevel thresh="25000"/>
-            <a:extLst>
-              <a:ext uri="{28A0092B-C50C-407E-A947-70E740481C1C}">
-                <a14:useLocalDpi xmlns:a14="http://schemas.microsoft.com/office/drawing/2010/main" val="0"/>
-              </a:ext>
-            </a:extLst>
-          </a:blip>
-          <a:stretch>
-            <a:fillRect/>
-          </a:stretch>
-        </p:blipFill>
-        <p:spPr>
-          <a:xfrm>
-            <a:off x="11418370" y="3726889"/>
-            <a:ext cx="660884" cy="660884"/>
-          </a:xfrm>
-          <a:prstGeom prst="rect">
-            <a:avLst/>
-          </a:prstGeom>
-        </p:spPr>
-      </p:pic>
-      <p:cxnSp>
-        <p:nvCxnSpPr>
-          <p:cNvPr id="98" name="Conector reto 97"/>
-          <p:cNvCxnSpPr/>
-          <p:nvPr/>
-        </p:nvCxnSpPr>
-        <p:spPr>
-          <a:xfrm flipV="1">
-            <a:off x="6612812" y="4498637"/>
-            <a:ext cx="2581963" cy="1273477"/>
-          </a:xfrm>
-          <a:prstGeom prst="line">
-            <a:avLst/>
-          </a:prstGeom>
-          <a:ln w="38100">
-            <a:solidFill>
-              <a:schemeClr val="tx1"/>
-            </a:solidFill>
-          </a:ln>
-        </p:spPr>
-        <p:style>
-          <a:lnRef idx="1">
-            <a:schemeClr val="accent1"/>
-          </a:lnRef>
-          <a:fillRef idx="0">
-            <a:schemeClr val="accent1"/>
-          </a:fillRef>
-          <a:effectRef idx="0">
-            <a:schemeClr val="accent1"/>
-          </a:effectRef>
-          <a:fontRef idx="minor">
-            <a:schemeClr val="tx1"/>
-          </a:fontRef>
-        </p:style>
-      </p:cxnSp>
-      <p:pic>
-        <p:nvPicPr>
-          <p:cNvPr id="101" name="Imagem 100"/>
-          <p:cNvPicPr>
-            <a:picLocks noChangeAspect="1"/>
-          </p:cNvPicPr>
-          <p:nvPr/>
-        </p:nvPicPr>
-        <p:blipFill>
-          <a:blip r:embed="rId22" cstate="print">
-            <a:extLst>
-              <a:ext uri="{28A0092B-C50C-407E-A947-70E740481C1C}">
-                <a14:useLocalDpi xmlns:a14="http://schemas.microsoft.com/office/drawing/2010/main" val="0"/>
-              </a:ext>
-            </a:extLst>
-          </a:blip>
-          <a:stretch>
-            <a:fillRect/>
-          </a:stretch>
-        </p:blipFill>
-        <p:spPr>
-          <a:xfrm>
-            <a:off x="3674703" y="1225920"/>
-            <a:ext cx="1040110" cy="1040110"/>
-          </a:xfrm>
-          <a:prstGeom prst="rect">
-            <a:avLst/>
-          </a:prstGeom>
-        </p:spPr>
-      </p:pic>
-      <p:pic>
-        <p:nvPicPr>
-          <p:cNvPr id="102" name="Imagem 101"/>
-          <p:cNvPicPr>
-            <a:picLocks noChangeAspect="1"/>
-          </p:cNvPicPr>
-          <p:nvPr/>
-        </p:nvPicPr>
-        <p:blipFill>
-          <a:blip r:embed="rId22" cstate="print">
-            <a:extLst>
-              <a:ext uri="{28A0092B-C50C-407E-A947-70E740481C1C}">
-                <a14:useLocalDpi xmlns:a14="http://schemas.microsoft.com/office/drawing/2010/main" val="0"/>
-              </a:ext>
-            </a:extLst>
-          </a:blip>
-          <a:stretch>
-            <a:fillRect/>
-          </a:stretch>
-        </p:blipFill>
-        <p:spPr>
-          <a:xfrm>
-            <a:off x="10432916" y="4234273"/>
-            <a:ext cx="803628" cy="803628"/>
-          </a:xfrm>
-          <a:prstGeom prst="rect">
-            <a:avLst/>
-          </a:prstGeom>
-        </p:spPr>
-      </p:pic>
-      <p:sp>
-        <p:nvSpPr>
-          <p:cNvPr id="103" name="CaixaDeTexto 102"/>
-          <p:cNvSpPr txBox="1"/>
-          <p:nvPr/>
-        </p:nvSpPr>
-        <p:spPr>
-          <a:xfrm>
-            <a:off x="9528186" y="4904854"/>
-            <a:ext cx="1758690" cy="400110"/>
-          </a:xfrm>
-          <a:prstGeom prst="rect">
-            <a:avLst/>
-          </a:prstGeom>
-          <a:noFill/>
-        </p:spPr>
-        <p:txBody>
-          <a:bodyPr wrap="square" rtlCol="0">
-            <a:spAutoFit/>
-          </a:bodyPr>
-          <a:lstStyle/>
-          <a:p>
-            <a:pPr algn="ctr"/>
-            <a:r>
-              <a:rPr lang="pt-BR" sz="2000" b="1" dirty="0">
-                <a:latin typeface="Lucida Console" panose="020B0609040504020204" pitchFamily="49" charset="0"/>
-              </a:rPr>
-              <a:t>&lt;site&gt;</a:t>
-            </a:r>
-          </a:p>
-        </p:txBody>
-      </p:sp>
-      <p:pic>
-        <p:nvPicPr>
-          <p:cNvPr id="104" name="Imagem 103"/>
-          <p:cNvPicPr>
-            <a:picLocks noChangeAspect="1"/>
-          </p:cNvPicPr>
-          <p:nvPr/>
-        </p:nvPicPr>
-        <p:blipFill>
-          <a:blip r:embed="rId18" cstate="print">
-            <a:extLst>
-              <a:ext uri="{28A0092B-C50C-407E-A947-70E740481C1C}">
-                <a14:useLocalDpi xmlns:a14="http://schemas.microsoft.com/office/drawing/2010/main" val="0"/>
-              </a:ext>
-            </a:extLst>
-          </a:blip>
-          <a:stretch>
-            <a:fillRect/>
-          </a:stretch>
-        </p:blipFill>
-        <p:spPr>
-          <a:xfrm>
-            <a:off x="11113663" y="4690151"/>
-            <a:ext cx="635908" cy="635908"/>
-          </a:xfrm>
-          <a:prstGeom prst="rect">
-            <a:avLst/>
-          </a:prstGeom>
-        </p:spPr>
-      </p:pic>
-      <p:pic>
-        <p:nvPicPr>
-          <p:cNvPr id="105" name="Imagem 104"/>
-          <p:cNvPicPr>
-            <a:picLocks noChangeAspect="1"/>
-          </p:cNvPicPr>
-          <p:nvPr/>
-        </p:nvPicPr>
-        <p:blipFill>
-          <a:blip r:embed="rId22" cstate="print">
-            <a:extLst>
-              <a:ext uri="{28A0092B-C50C-407E-A947-70E740481C1C}">
-                <a14:useLocalDpi xmlns:a14="http://schemas.microsoft.com/office/drawing/2010/main" val="0"/>
-              </a:ext>
-            </a:extLst>
-          </a:blip>
-          <a:stretch>
-            <a:fillRect/>
-          </a:stretch>
-        </p:blipFill>
-        <p:spPr>
-          <a:xfrm>
-            <a:off x="10432916" y="4275264"/>
-            <a:ext cx="803628" cy="803628"/>
-          </a:xfrm>
-          <a:prstGeom prst="rect">
-            <a:avLst/>
-          </a:prstGeom>
-        </p:spPr>
-      </p:pic>
-      <p:pic>
-        <p:nvPicPr>
-          <p:cNvPr id="2" name="Imagem 1"/>
-          <p:cNvPicPr>
-            <a:picLocks noChangeAspect="1"/>
-          </p:cNvPicPr>
-          <p:nvPr/>
-        </p:nvPicPr>
-        <p:blipFill>
-          <a:blip r:embed="rId23"/>
-          <a:stretch>
-            <a:fillRect/>
-          </a:stretch>
-        </p:blipFill>
-        <p:spPr>
-          <a:xfrm>
-            <a:off x="6469836" y="959752"/>
-            <a:ext cx="1790700" cy="2514600"/>
+            <a:off x="123177" y="6394284"/>
+            <a:ext cx="1667411" cy="387928"/>
           </a:xfrm>
           <a:prstGeom prst="rect">
             <a:avLst/>
@@ -7329,7 +5851,7 @@
     </p:spTree>
     <p:extLst>
       <p:ext uri="{BB962C8B-B14F-4D97-AF65-F5344CB8AC3E}">
-        <p14:creationId xmlns:p14="http://schemas.microsoft.com/office/powerpoint/2010/main" val="3073650580"/>
+        <p14:creationId xmlns:p14="http://schemas.microsoft.com/office/powerpoint/2010/main" val="4092178875"/>
       </p:ext>
     </p:extLst>
   </p:cSld>

--- a/Documentação/LLD.pptx
+++ b/Documentação/LLD.pptx
@@ -8,7 +8,7 @@
     <p:notesMasterId r:id="rId3"/>
   </p:notesMasterIdLst>
   <p:sldIdLst>
-    <p:sldId id="257" r:id="rId2"/>
+    <p:sldId id="258" r:id="rId2"/>
   </p:sldIdLst>
   <p:sldSz cx="12192000" cy="6858000"/>
   <p:notesSz cx="6858000" cy="9144000"/>
@@ -764,7 +764,7 @@
           <a:p>
             <a:fld id="{56696946-7641-4768-8FEC-6930249BEF47}" type="datetimeFigureOut">
               <a:rPr lang="pt-BR" smtClean="0"/>
-              <a:t>17/10/2020</a:t>
+              <a:t>23/10/2020</a:t>
             </a:fld>
             <a:endParaRPr lang="pt-BR"/>
           </a:p>
@@ -1031,90 +1031,6 @@
 </p:notesMaster>
 </file>
 
-<file path=ppt/notesSlides/notesSlide1.xml><?xml version="1.0" encoding="utf-8"?>
-<p:notes xmlns:a="http://schemas.openxmlformats.org/drawingml/2006/main" xmlns:r="http://schemas.openxmlformats.org/officeDocument/2006/relationships" xmlns:p="http://schemas.openxmlformats.org/presentationml/2006/main">
-  <p:cSld>
-    <p:spTree>
-      <p:nvGrpSpPr>
-        <p:cNvPr id="1" name=""/>
-        <p:cNvGrpSpPr/>
-        <p:nvPr/>
-      </p:nvGrpSpPr>
-      <p:grpSpPr>
-        <a:xfrm>
-          <a:off x="0" y="0"/>
-          <a:ext cx="0" cy="0"/>
-          <a:chOff x="0" y="0"/>
-          <a:chExt cx="0" cy="0"/>
-        </a:xfrm>
-      </p:grpSpPr>
-      <p:sp>
-        <p:nvSpPr>
-          <p:cNvPr id="2" name="Espaço Reservado para Imagem de Slide 1"/>
-          <p:cNvSpPr>
-            <a:spLocks noGrp="1" noRot="1" noChangeAspect="1"/>
-          </p:cNvSpPr>
-          <p:nvPr>
-            <p:ph type="sldImg"/>
-          </p:nvPr>
-        </p:nvSpPr>
-        <p:spPr/>
-      </p:sp>
-      <p:sp>
-        <p:nvSpPr>
-          <p:cNvPr id="3" name="Espaço Reservado para Anotações 2"/>
-          <p:cNvSpPr>
-            <a:spLocks noGrp="1"/>
-          </p:cNvSpPr>
-          <p:nvPr>
-            <p:ph type="body" idx="1"/>
-          </p:nvPr>
-        </p:nvSpPr>
-        <p:spPr/>
-        <p:txBody>
-          <a:bodyPr/>
-          <a:lstStyle/>
-          <a:p>
-            <a:endParaRPr lang="pt-BR" dirty="0"/>
-          </a:p>
-        </p:txBody>
-      </p:sp>
-      <p:sp>
-        <p:nvSpPr>
-          <p:cNvPr id="4" name="Espaço Reservado para Número de Slide 3"/>
-          <p:cNvSpPr>
-            <a:spLocks noGrp="1"/>
-          </p:cNvSpPr>
-          <p:nvPr>
-            <p:ph type="sldNum" sz="quarter" idx="10"/>
-          </p:nvPr>
-        </p:nvSpPr>
-        <p:spPr/>
-        <p:txBody>
-          <a:bodyPr/>
-          <a:lstStyle/>
-          <a:p>
-            <a:fld id="{D2EAF01E-BBEC-45E2-BA50-4FD83ED235C8}" type="slidenum">
-              <a:rPr lang="pt-BR" smtClean="0"/>
-              <a:t>1</a:t>
-            </a:fld>
-            <a:endParaRPr lang="pt-BR"/>
-          </a:p>
-        </p:txBody>
-      </p:sp>
-    </p:spTree>
-    <p:extLst>
-      <p:ext uri="{BB962C8B-B14F-4D97-AF65-F5344CB8AC3E}">
-        <p14:creationId xmlns:p14="http://schemas.microsoft.com/office/powerpoint/2010/main" val="2142669712"/>
-      </p:ext>
-    </p:extLst>
-  </p:cSld>
-  <p:clrMapOvr>
-    <a:masterClrMapping/>
-  </p:clrMapOvr>
-</p:notes>
-</file>
-
 <file path=ppt/slideLayouts/slideLayout1.xml><?xml version="1.0" encoding="utf-8"?>
 <p:sldLayout xmlns:a="http://schemas.openxmlformats.org/drawingml/2006/main" xmlns:r="http://schemas.openxmlformats.org/officeDocument/2006/relationships" xmlns:p="http://schemas.openxmlformats.org/presentationml/2006/main" type="title" preserve="1">
   <p:cSld name="Slide de Título">
@@ -1244,7 +1160,7 @@
           <a:p>
             <a:fld id="{451059EB-A265-4C53-8773-D33503772AD2}" type="datetimeFigureOut">
               <a:rPr lang="pt-BR" smtClean="0"/>
-              <a:t>17/10/2020</a:t>
+              <a:t>23/10/2020</a:t>
             </a:fld>
             <a:endParaRPr lang="pt-BR"/>
           </a:p>
@@ -1412,7 +1328,7 @@
           <a:p>
             <a:fld id="{451059EB-A265-4C53-8773-D33503772AD2}" type="datetimeFigureOut">
               <a:rPr lang="pt-BR" smtClean="0"/>
-              <a:t>17/10/2020</a:t>
+              <a:t>23/10/2020</a:t>
             </a:fld>
             <a:endParaRPr lang="pt-BR"/>
           </a:p>
@@ -1590,7 +1506,7 @@
           <a:p>
             <a:fld id="{451059EB-A265-4C53-8773-D33503772AD2}" type="datetimeFigureOut">
               <a:rPr lang="pt-BR" smtClean="0"/>
-              <a:t>17/10/2020</a:t>
+              <a:t>23/10/2020</a:t>
             </a:fld>
             <a:endParaRPr lang="pt-BR"/>
           </a:p>
@@ -1758,7 +1674,7 @@
           <a:p>
             <a:fld id="{451059EB-A265-4C53-8773-D33503772AD2}" type="datetimeFigureOut">
               <a:rPr lang="pt-BR" smtClean="0"/>
-              <a:t>17/10/2020</a:t>
+              <a:t>23/10/2020</a:t>
             </a:fld>
             <a:endParaRPr lang="pt-BR"/>
           </a:p>
@@ -2003,7 +1919,7 @@
           <a:p>
             <a:fld id="{451059EB-A265-4C53-8773-D33503772AD2}" type="datetimeFigureOut">
               <a:rPr lang="pt-BR" smtClean="0"/>
-              <a:t>17/10/2020</a:t>
+              <a:t>23/10/2020</a:t>
             </a:fld>
             <a:endParaRPr lang="pt-BR"/>
           </a:p>
@@ -2232,7 +2148,7 @@
           <a:p>
             <a:fld id="{451059EB-A265-4C53-8773-D33503772AD2}" type="datetimeFigureOut">
               <a:rPr lang="pt-BR" smtClean="0"/>
-              <a:t>17/10/2020</a:t>
+              <a:t>23/10/2020</a:t>
             </a:fld>
             <a:endParaRPr lang="pt-BR"/>
           </a:p>
@@ -2596,7 +2512,7 @@
           <a:p>
             <a:fld id="{451059EB-A265-4C53-8773-D33503772AD2}" type="datetimeFigureOut">
               <a:rPr lang="pt-BR" smtClean="0"/>
-              <a:t>17/10/2020</a:t>
+              <a:t>23/10/2020</a:t>
             </a:fld>
             <a:endParaRPr lang="pt-BR"/>
           </a:p>
@@ -2713,7 +2629,7 @@
           <a:p>
             <a:fld id="{451059EB-A265-4C53-8773-D33503772AD2}" type="datetimeFigureOut">
               <a:rPr lang="pt-BR" smtClean="0"/>
-              <a:t>17/10/2020</a:t>
+              <a:t>23/10/2020</a:t>
             </a:fld>
             <a:endParaRPr lang="pt-BR"/>
           </a:p>
@@ -2808,7 +2724,7 @@
           <a:p>
             <a:fld id="{451059EB-A265-4C53-8773-D33503772AD2}" type="datetimeFigureOut">
               <a:rPr lang="pt-BR" smtClean="0"/>
-              <a:t>17/10/2020</a:t>
+              <a:t>23/10/2020</a:t>
             </a:fld>
             <a:endParaRPr lang="pt-BR"/>
           </a:p>
@@ -3083,7 +2999,7 @@
           <a:p>
             <a:fld id="{451059EB-A265-4C53-8773-D33503772AD2}" type="datetimeFigureOut">
               <a:rPr lang="pt-BR" smtClean="0"/>
-              <a:t>17/10/2020</a:t>
+              <a:t>23/10/2020</a:t>
             </a:fld>
             <a:endParaRPr lang="pt-BR"/>
           </a:p>
@@ -3335,7 +3251,7 @@
           <a:p>
             <a:fld id="{451059EB-A265-4C53-8773-D33503772AD2}" type="datetimeFigureOut">
               <a:rPr lang="pt-BR" smtClean="0"/>
-              <a:t>17/10/2020</a:t>
+              <a:t>23/10/2020</a:t>
             </a:fld>
             <a:endParaRPr lang="pt-BR"/>
           </a:p>
@@ -3546,7 +3462,7 @@
           <a:p>
             <a:fld id="{451059EB-A265-4C53-8773-D33503772AD2}" type="datetimeFigureOut">
               <a:rPr lang="pt-BR" smtClean="0"/>
-              <a:t>17/10/2020</a:t>
+              <a:t>23/10/2020</a:t>
             </a:fld>
             <a:endParaRPr lang="pt-BR"/>
           </a:p>
@@ -3959,1889 +3875,24 @@
           <a:chExt cx="0" cy="0"/>
         </a:xfrm>
       </p:grpSpPr>
-      <p:sp>
-        <p:nvSpPr>
-          <p:cNvPr id="35" name="Retângulo 34"/>
-          <p:cNvSpPr/>
-          <p:nvPr/>
-        </p:nvSpPr>
-        <p:spPr>
-          <a:xfrm>
-            <a:off x="4394085" y="1274000"/>
-            <a:ext cx="3535253" cy="5422692"/>
-          </a:xfrm>
-          <a:prstGeom prst="rect">
-            <a:avLst/>
-          </a:prstGeom>
-          <a:solidFill>
-            <a:schemeClr val="bg1"/>
-          </a:solidFill>
-          <a:ln w="28575">
-            <a:solidFill>
-              <a:schemeClr val="tx1"/>
-            </a:solidFill>
-          </a:ln>
-        </p:spPr>
-        <p:style>
-          <a:lnRef idx="2">
-            <a:schemeClr val="accent1">
-              <a:shade val="50000"/>
-            </a:schemeClr>
-          </a:lnRef>
-          <a:fillRef idx="1">
-            <a:schemeClr val="accent1"/>
-          </a:fillRef>
-          <a:effectRef idx="0">
-            <a:schemeClr val="accent1"/>
-          </a:effectRef>
-          <a:fontRef idx="minor">
-            <a:schemeClr val="lt1"/>
-          </a:fontRef>
-        </p:style>
-        <p:txBody>
-          <a:bodyPr rtlCol="0" anchor="ctr"/>
-          <a:lstStyle/>
-          <a:p>
-            <a:pPr algn="ctr"/>
-            <a:endParaRPr lang="pt-BR"/>
-          </a:p>
-        </p:txBody>
-      </p:sp>
-      <p:sp>
-        <p:nvSpPr>
-          <p:cNvPr id="2" name="Retângulo 1"/>
-          <p:cNvSpPr/>
-          <p:nvPr/>
-        </p:nvSpPr>
-        <p:spPr>
-          <a:xfrm>
-            <a:off x="361834" y="152152"/>
-            <a:ext cx="3259550" cy="1699740"/>
-          </a:xfrm>
-          <a:prstGeom prst="rect">
-            <a:avLst/>
-          </a:prstGeom>
-          <a:solidFill>
-            <a:schemeClr val="bg1"/>
-          </a:solidFill>
-          <a:ln w="28575">
-            <a:solidFill>
-              <a:schemeClr val="tx1"/>
-            </a:solidFill>
-          </a:ln>
-        </p:spPr>
-        <p:style>
-          <a:lnRef idx="2">
-            <a:schemeClr val="accent1">
-              <a:shade val="50000"/>
-            </a:schemeClr>
-          </a:lnRef>
-          <a:fillRef idx="1">
-            <a:schemeClr val="accent1"/>
-          </a:fillRef>
-          <a:effectRef idx="0">
-            <a:schemeClr val="accent1"/>
-          </a:effectRef>
-          <a:fontRef idx="minor">
-            <a:schemeClr val="lt1"/>
-          </a:fontRef>
-        </p:style>
-        <p:txBody>
-          <a:bodyPr rtlCol="0" anchor="ctr"/>
-          <a:lstStyle/>
-          <a:p>
-            <a:pPr algn="ctr"/>
-            <a:endParaRPr lang="pt-BR"/>
-          </a:p>
-        </p:txBody>
-      </p:sp>
-      <p:sp>
-        <p:nvSpPr>
-          <p:cNvPr id="64" name="Google Shape;1541;p54"/>
-          <p:cNvSpPr/>
-          <p:nvPr/>
-        </p:nvSpPr>
-        <p:spPr>
-          <a:xfrm>
-            <a:off x="5830770" y="3291348"/>
-            <a:ext cx="678922" cy="925989"/>
-          </a:xfrm>
-          <a:custGeom>
-            <a:avLst/>
-            <a:gdLst/>
-            <a:ahLst/>
-            <a:cxnLst/>
-            <a:rect l="l" t="t" r="r" b="b"/>
-            <a:pathLst>
-              <a:path w="103480" h="206345" extrusionOk="0">
-                <a:moveTo>
-                  <a:pt x="61741" y="8558"/>
-                </a:moveTo>
-                <a:cubicBezTo>
-                  <a:pt x="62649" y="8558"/>
-                  <a:pt x="62637" y="9975"/>
-                  <a:pt x="61704" y="9975"/>
-                </a:cubicBezTo>
-                <a:cubicBezTo>
-                  <a:pt x="61677" y="9975"/>
-                  <a:pt x="61650" y="9973"/>
-                  <a:pt x="61623" y="9971"/>
-                </a:cubicBezTo>
-                <a:lnTo>
-                  <a:pt x="40979" y="9971"/>
-                </a:lnTo>
-                <a:cubicBezTo>
-                  <a:pt x="40952" y="9973"/>
-                  <a:pt x="40925" y="9975"/>
-                  <a:pt x="40898" y="9975"/>
-                </a:cubicBezTo>
-                <a:cubicBezTo>
-                  <a:pt x="39965" y="9975"/>
-                  <a:pt x="39952" y="8558"/>
-                  <a:pt x="40861" y="8558"/>
-                </a:cubicBezTo>
-                <a:cubicBezTo>
-                  <a:pt x="40899" y="8558"/>
-                  <a:pt x="40938" y="8561"/>
-                  <a:pt x="40979" y="8566"/>
-                </a:cubicBezTo>
-                <a:lnTo>
-                  <a:pt x="61623" y="8566"/>
-                </a:lnTo>
-                <a:cubicBezTo>
-                  <a:pt x="61664" y="8561"/>
-                  <a:pt x="61703" y="8558"/>
-                  <a:pt x="61741" y="8558"/>
-                </a:cubicBezTo>
-                <a:close/>
-                <a:moveTo>
-                  <a:pt x="100713" y="16164"/>
-                </a:moveTo>
-                <a:lnTo>
-                  <a:pt x="100713" y="189567"/>
-                </a:lnTo>
-                <a:lnTo>
-                  <a:pt x="2987" y="189567"/>
-                </a:lnTo>
-                <a:lnTo>
-                  <a:pt x="2987" y="16164"/>
-                </a:lnTo>
-                <a:close/>
-                <a:moveTo>
-                  <a:pt x="22357" y="196638"/>
-                </a:moveTo>
-                <a:lnTo>
-                  <a:pt x="22313" y="197165"/>
-                </a:lnTo>
-                <a:lnTo>
-                  <a:pt x="18448" y="197165"/>
-                </a:lnTo>
-                <a:lnTo>
-                  <a:pt x="18448" y="196638"/>
-                </a:lnTo>
-                <a:close/>
-                <a:moveTo>
-                  <a:pt x="53277" y="196726"/>
-                </a:moveTo>
-                <a:cubicBezTo>
-                  <a:pt x="53365" y="196726"/>
-                  <a:pt x="53453" y="196814"/>
-                  <a:pt x="53453" y="196945"/>
-                </a:cubicBezTo>
-                <a:lnTo>
-                  <a:pt x="53453" y="199976"/>
-                </a:lnTo>
-                <a:cubicBezTo>
-                  <a:pt x="53453" y="200064"/>
-                  <a:pt x="53365" y="200152"/>
-                  <a:pt x="53234" y="200152"/>
-                </a:cubicBezTo>
-                <a:lnTo>
-                  <a:pt x="50203" y="200152"/>
-                </a:lnTo>
-                <a:cubicBezTo>
-                  <a:pt x="50071" y="200152"/>
-                  <a:pt x="49983" y="200064"/>
-                  <a:pt x="49983" y="199976"/>
-                </a:cubicBezTo>
-                <a:lnTo>
-                  <a:pt x="49983" y="196945"/>
-                </a:lnTo>
-                <a:cubicBezTo>
-                  <a:pt x="49983" y="196814"/>
-                  <a:pt x="50071" y="196726"/>
-                  <a:pt x="50203" y="196726"/>
-                </a:cubicBezTo>
-                <a:close/>
-                <a:moveTo>
-                  <a:pt x="80706" y="196517"/>
-                </a:moveTo>
-                <a:cubicBezTo>
-                  <a:pt x="80761" y="196517"/>
-                  <a:pt x="80816" y="196528"/>
-                  <a:pt x="80860" y="196550"/>
-                </a:cubicBezTo>
-                <a:cubicBezTo>
-                  <a:pt x="80948" y="196638"/>
-                  <a:pt x="80948" y="196770"/>
-                  <a:pt x="80860" y="196858"/>
-                </a:cubicBezTo>
-                <a:lnTo>
-                  <a:pt x="79455" y="198263"/>
-                </a:lnTo>
-                <a:cubicBezTo>
-                  <a:pt x="79367" y="198351"/>
-                  <a:pt x="79323" y="198439"/>
-                  <a:pt x="79323" y="198527"/>
-                </a:cubicBezTo>
-                <a:cubicBezTo>
-                  <a:pt x="79323" y="198614"/>
-                  <a:pt x="79367" y="198702"/>
-                  <a:pt x="79455" y="198790"/>
-                </a:cubicBezTo>
-                <a:lnTo>
-                  <a:pt x="80860" y="200196"/>
-                </a:lnTo>
-                <a:cubicBezTo>
-                  <a:pt x="80948" y="200284"/>
-                  <a:pt x="80948" y="200415"/>
-                  <a:pt x="80860" y="200503"/>
-                </a:cubicBezTo>
-                <a:cubicBezTo>
-                  <a:pt x="80816" y="200547"/>
-                  <a:pt x="80761" y="200569"/>
-                  <a:pt x="80706" y="200569"/>
-                </a:cubicBezTo>
-                <a:cubicBezTo>
-                  <a:pt x="80652" y="200569"/>
-                  <a:pt x="80597" y="200547"/>
-                  <a:pt x="80553" y="200503"/>
-                </a:cubicBezTo>
-                <a:lnTo>
-                  <a:pt x="79147" y="199098"/>
-                </a:lnTo>
-                <a:cubicBezTo>
-                  <a:pt x="79015" y="198922"/>
-                  <a:pt x="78928" y="198746"/>
-                  <a:pt x="78928" y="198527"/>
-                </a:cubicBezTo>
-                <a:cubicBezTo>
-                  <a:pt x="78928" y="198307"/>
-                  <a:pt x="79015" y="198131"/>
-                  <a:pt x="79147" y="198000"/>
-                </a:cubicBezTo>
-                <a:lnTo>
-                  <a:pt x="80553" y="196550"/>
-                </a:lnTo>
-                <a:cubicBezTo>
-                  <a:pt x="80597" y="196528"/>
-                  <a:pt x="80652" y="196517"/>
-                  <a:pt x="80706" y="196517"/>
-                </a:cubicBezTo>
-                <a:close/>
-                <a:moveTo>
-                  <a:pt x="15461" y="1"/>
-                </a:moveTo>
-                <a:cubicBezTo>
-                  <a:pt x="6940" y="1"/>
-                  <a:pt x="1" y="6941"/>
-                  <a:pt x="1" y="15461"/>
-                </a:cubicBezTo>
-                <a:lnTo>
-                  <a:pt x="1" y="190884"/>
-                </a:lnTo>
-                <a:cubicBezTo>
-                  <a:pt x="1" y="199405"/>
-                  <a:pt x="6940" y="206345"/>
-                  <a:pt x="15461" y="206345"/>
-                </a:cubicBezTo>
-                <a:lnTo>
-                  <a:pt x="88019" y="206345"/>
-                </a:lnTo>
-                <a:cubicBezTo>
-                  <a:pt x="96540" y="206345"/>
-                  <a:pt x="103480" y="199405"/>
-                  <a:pt x="103480" y="190884"/>
-                </a:cubicBezTo>
-                <a:lnTo>
-                  <a:pt x="103480" y="15461"/>
-                </a:lnTo>
-                <a:cubicBezTo>
-                  <a:pt x="103480" y="6941"/>
-                  <a:pt x="96540" y="1"/>
-                  <a:pt x="88019" y="1"/>
-                </a:cubicBezTo>
-                <a:close/>
-              </a:path>
-            </a:pathLst>
-          </a:custGeom>
-          <a:noFill/>
-          <a:ln w="19050" cap="flat" cmpd="sng">
-            <a:solidFill>
-              <a:schemeClr val="tx1"/>
-            </a:solidFill>
-            <a:prstDash val="solid"/>
-            <a:round/>
-            <a:headEnd type="none" w="sm" len="sm"/>
-            <a:tailEnd type="none" w="sm" len="sm"/>
-          </a:ln>
-        </p:spPr>
-        <p:txBody>
-          <a:bodyPr spcFirstLastPara="1" wrap="square" lIns="91425" tIns="91425" rIns="91425" bIns="91425" anchor="ctr" anchorCtr="0">
-            <a:noAutofit/>
-          </a:bodyPr>
-          <a:lstStyle/>
-          <a:p>
-            <a:pPr marL="0" lvl="0" indent="0" algn="l" rtl="0">
-              <a:spcBef>
-                <a:spcPts val="0"/>
-              </a:spcBef>
-              <a:spcAft>
-                <a:spcPts val="0"/>
-              </a:spcAft>
-              <a:buNone/>
-            </a:pPr>
-            <a:endParaRPr b="1"/>
-          </a:p>
-        </p:txBody>
-      </p:sp>
-      <p:grpSp>
-        <p:nvGrpSpPr>
-          <p:cNvPr id="10" name="Agrupar 9"/>
-          <p:cNvGrpSpPr/>
-          <p:nvPr/>
-        </p:nvGrpSpPr>
-        <p:grpSpPr>
-          <a:xfrm>
-            <a:off x="5146650" y="4761810"/>
-            <a:ext cx="2038823" cy="1312431"/>
-            <a:chOff x="5369885" y="3478745"/>
-            <a:chExt cx="2119746" cy="1444598"/>
-          </a:xfrm>
-        </p:grpSpPr>
-        <p:grpSp>
-          <p:nvGrpSpPr>
-            <p:cNvPr id="57" name="Google Shape;1513;p52"/>
-            <p:cNvGrpSpPr/>
-            <p:nvPr/>
-          </p:nvGrpSpPr>
-          <p:grpSpPr>
-            <a:xfrm>
-              <a:off x="5369885" y="3478745"/>
-              <a:ext cx="2119746" cy="1444598"/>
-              <a:chOff x="3804623" y="931514"/>
-              <a:chExt cx="4311631" cy="3283920"/>
-            </a:xfrm>
-          </p:grpSpPr>
-          <p:grpSp>
-            <p:nvGrpSpPr>
-              <p:cNvPr id="58" name="Google Shape;1514;p52"/>
-              <p:cNvGrpSpPr/>
-              <p:nvPr/>
-            </p:nvGrpSpPr>
-            <p:grpSpPr>
-              <a:xfrm>
-                <a:off x="3804623" y="931514"/>
-                <a:ext cx="4311631" cy="3283920"/>
-                <a:chOff x="3420275" y="729475"/>
-                <a:chExt cx="4831500" cy="3679875"/>
-              </a:xfrm>
-            </p:grpSpPr>
-            <p:sp>
-              <p:nvSpPr>
-                <p:cNvPr id="60" name="Google Shape;1515;p52"/>
-                <p:cNvSpPr/>
-                <p:nvPr/>
-              </p:nvSpPr>
-              <p:spPr>
-                <a:xfrm>
-                  <a:off x="3586250" y="883825"/>
-                  <a:ext cx="4503600" cy="2746200"/>
-                </a:xfrm>
-                <a:prstGeom prst="rect">
-                  <a:avLst/>
-                </a:prstGeom>
-                <a:noFill/>
-                <a:ln w="19050" cap="flat" cmpd="sng">
-                  <a:solidFill>
-                    <a:schemeClr val="tx1"/>
-                  </a:solidFill>
-                  <a:prstDash val="solid"/>
-                  <a:round/>
-                  <a:headEnd type="none" w="sm" len="sm"/>
-                  <a:tailEnd type="none" w="sm" len="sm"/>
-                </a:ln>
-              </p:spPr>
-              <p:txBody>
-                <a:bodyPr spcFirstLastPara="1" wrap="square" lIns="91425" tIns="91425" rIns="91425" bIns="91425" anchor="ctr" anchorCtr="0">
-                  <a:noAutofit/>
-                </a:bodyPr>
-                <a:lstStyle/>
-                <a:p>
-                  <a:pPr marL="0" lvl="0" indent="0" algn="l" rtl="0">
-                    <a:spcBef>
-                      <a:spcPts val="0"/>
-                    </a:spcBef>
-                    <a:spcAft>
-                      <a:spcPts val="0"/>
-                    </a:spcAft>
-                    <a:buNone/>
-                  </a:pPr>
-                  <a:endParaRPr b="1"/>
-                </a:p>
-              </p:txBody>
-            </p:sp>
-            <p:sp>
-              <p:nvSpPr>
-                <p:cNvPr id="61" name="Google Shape;1516;p52"/>
-                <p:cNvSpPr/>
-                <p:nvPr/>
-              </p:nvSpPr>
-              <p:spPr>
-                <a:xfrm>
-                  <a:off x="5009044" y="3786200"/>
-                  <a:ext cx="1649975" cy="623150"/>
-                </a:xfrm>
-                <a:custGeom>
-                  <a:avLst/>
-                  <a:gdLst/>
-                  <a:ahLst/>
-                  <a:cxnLst/>
-                  <a:rect l="l" t="t" r="r" b="b"/>
-                  <a:pathLst>
-                    <a:path w="65999" h="24926" extrusionOk="0">
-                      <a:moveTo>
-                        <a:pt x="13372" y="0"/>
-                      </a:moveTo>
-                      <a:cubicBezTo>
-                        <a:pt x="13051" y="1881"/>
-                        <a:pt x="12653" y="8225"/>
-                        <a:pt x="11445" y="11283"/>
-                      </a:cubicBezTo>
-                      <a:cubicBezTo>
-                        <a:pt x="10237" y="14341"/>
-                        <a:pt x="7883" y="16511"/>
-                        <a:pt x="6125" y="18346"/>
-                      </a:cubicBezTo>
-                      <a:cubicBezTo>
-                        <a:pt x="4367" y="20181"/>
-                        <a:pt x="1875" y="21297"/>
-                        <a:pt x="896" y="22291"/>
-                      </a:cubicBezTo>
-                      <a:cubicBezTo>
-                        <a:pt x="-82" y="23285"/>
-                        <a:pt x="-174" y="23896"/>
-                        <a:pt x="254" y="24309"/>
-                      </a:cubicBezTo>
-                      <a:cubicBezTo>
-                        <a:pt x="682" y="24722"/>
-                        <a:pt x="805" y="24692"/>
-                        <a:pt x="3465" y="24768"/>
-                      </a:cubicBezTo>
-                      <a:cubicBezTo>
-                        <a:pt x="6125" y="24845"/>
-                        <a:pt x="10925" y="24768"/>
-                        <a:pt x="16215" y="24768"/>
-                      </a:cubicBezTo>
-                      <a:cubicBezTo>
-                        <a:pt x="21505" y="24768"/>
-                        <a:pt x="28630" y="24768"/>
-                        <a:pt x="35204" y="24768"/>
-                      </a:cubicBezTo>
-                      <a:cubicBezTo>
-                        <a:pt x="41778" y="24768"/>
-                        <a:pt x="50783" y="24768"/>
-                        <a:pt x="55660" y="24768"/>
-                      </a:cubicBezTo>
-                      <a:cubicBezTo>
-                        <a:pt x="60537" y="24768"/>
-                        <a:pt x="62754" y="25104"/>
-                        <a:pt x="64466" y="24768"/>
-                      </a:cubicBezTo>
-                      <a:cubicBezTo>
-                        <a:pt x="66178" y="24432"/>
-                        <a:pt x="66056" y="23346"/>
-                        <a:pt x="65934" y="22750"/>
-                      </a:cubicBezTo>
-                      <a:cubicBezTo>
-                        <a:pt x="65812" y="22154"/>
-                        <a:pt x="65353" y="22765"/>
-                        <a:pt x="63732" y="21190"/>
-                      </a:cubicBezTo>
-                      <a:cubicBezTo>
-                        <a:pt x="62111" y="19615"/>
-                        <a:pt x="57999" y="16512"/>
-                        <a:pt x="56210" y="13301"/>
-                      </a:cubicBezTo>
-                      <a:cubicBezTo>
-                        <a:pt x="54421" y="10091"/>
-                        <a:pt x="53505" y="4083"/>
-                        <a:pt x="53000" y="1927"/>
-                      </a:cubicBezTo>
-                      <a:cubicBezTo>
-                        <a:pt x="52496" y="-229"/>
-                        <a:pt x="53153" y="627"/>
-                        <a:pt x="53183" y="367"/>
-                      </a:cubicBezTo>
-                    </a:path>
-                  </a:pathLst>
-                </a:custGeom>
-                <a:noFill/>
-                <a:ln w="19050" cap="flat" cmpd="sng">
-                  <a:solidFill>
-                    <a:schemeClr val="tx1"/>
-                  </a:solidFill>
-                  <a:prstDash val="solid"/>
-                  <a:round/>
-                  <a:headEnd type="none" w="med" len="med"/>
-                  <a:tailEnd type="none" w="med" len="med"/>
-                </a:ln>
-              </p:spPr>
-            </p:sp>
-            <p:sp>
-              <p:nvSpPr>
-                <p:cNvPr id="62" name="Google Shape;1517;p52"/>
-                <p:cNvSpPr/>
-                <p:nvPr/>
-              </p:nvSpPr>
-              <p:spPr>
-                <a:xfrm>
-                  <a:off x="3420275" y="729475"/>
-                  <a:ext cx="4831500" cy="3056700"/>
-                </a:xfrm>
-                <a:prstGeom prst="roundRect">
-                  <a:avLst>
-                    <a:gd name="adj" fmla="val 3857"/>
-                  </a:avLst>
-                </a:prstGeom>
-                <a:noFill/>
-                <a:ln w="19050" cap="flat" cmpd="sng">
-                  <a:solidFill>
-                    <a:schemeClr val="tx1"/>
-                  </a:solidFill>
-                  <a:prstDash val="solid"/>
-                  <a:round/>
-                  <a:headEnd type="none" w="sm" len="sm"/>
-                  <a:tailEnd type="none" w="sm" len="sm"/>
-                </a:ln>
-              </p:spPr>
-              <p:txBody>
-                <a:bodyPr spcFirstLastPara="1" wrap="square" lIns="91425" tIns="91425" rIns="91425" bIns="91425" anchor="ctr" anchorCtr="0">
-                  <a:noAutofit/>
-                </a:bodyPr>
-                <a:lstStyle/>
-                <a:p>
-                  <a:pPr marL="0" lvl="0" indent="0" algn="l" rtl="0">
-                    <a:spcBef>
-                      <a:spcPts val="0"/>
-                    </a:spcBef>
-                    <a:spcAft>
-                      <a:spcPts val="0"/>
-                    </a:spcAft>
-                    <a:buNone/>
-                  </a:pPr>
-                  <a:endParaRPr b="1"/>
-                </a:p>
-              </p:txBody>
-            </p:sp>
-            <p:sp>
-              <p:nvSpPr>
-                <p:cNvPr id="63" name="Google Shape;1518;p52"/>
-                <p:cNvSpPr/>
-                <p:nvPr/>
-              </p:nvSpPr>
-              <p:spPr>
-                <a:xfrm>
-                  <a:off x="3453125" y="762775"/>
-                  <a:ext cx="4765800" cy="2990100"/>
-                </a:xfrm>
-                <a:prstGeom prst="roundRect">
-                  <a:avLst>
-                    <a:gd name="adj" fmla="val 3282"/>
-                  </a:avLst>
-                </a:prstGeom>
-                <a:noFill/>
-                <a:ln w="19050" cap="flat" cmpd="sng">
-                  <a:solidFill>
-                    <a:schemeClr val="tx1"/>
-                  </a:solidFill>
-                  <a:prstDash val="solid"/>
-                  <a:round/>
-                  <a:headEnd type="none" w="sm" len="sm"/>
-                  <a:tailEnd type="none" w="sm" len="sm"/>
-                </a:ln>
-              </p:spPr>
-              <p:txBody>
-                <a:bodyPr spcFirstLastPara="1" wrap="square" lIns="91425" tIns="91425" rIns="91425" bIns="91425" anchor="ctr" anchorCtr="0">
-                  <a:noAutofit/>
-                </a:bodyPr>
-                <a:lstStyle/>
-                <a:p>
-                  <a:pPr marL="0" lvl="0" indent="0" algn="l" rtl="0">
-                    <a:spcBef>
-                      <a:spcPts val="0"/>
-                    </a:spcBef>
-                    <a:spcAft>
-                      <a:spcPts val="0"/>
-                    </a:spcAft>
-                    <a:buNone/>
-                  </a:pPr>
-                  <a:endParaRPr b="1"/>
-                </a:p>
-              </p:txBody>
-            </p:sp>
-          </p:grpSp>
-          <p:cxnSp>
-            <p:nvCxnSpPr>
-              <p:cNvPr id="59" name="Google Shape;1519;p52"/>
-              <p:cNvCxnSpPr/>
-              <p:nvPr/>
-            </p:nvCxnSpPr>
-            <p:spPr>
-              <a:xfrm>
-                <a:off x="5238353" y="4162783"/>
-                <a:ext cx="1451100" cy="0"/>
-              </a:xfrm>
-              <a:prstGeom prst="straightConnector1">
-                <a:avLst/>
-              </a:prstGeom>
-              <a:noFill/>
-              <a:ln w="19050" cap="flat" cmpd="sng">
-                <a:solidFill>
-                  <a:schemeClr val="tx1"/>
-                </a:solidFill>
-                <a:prstDash val="solid"/>
-                <a:round/>
-                <a:headEnd type="none" w="med" len="med"/>
-                <a:tailEnd type="none" w="med" len="med"/>
-              </a:ln>
-            </p:spPr>
-          </p:cxnSp>
-        </p:grpSp>
-        <p:pic>
-          <p:nvPicPr>
-            <p:cNvPr id="66" name="Imagem 65"/>
-            <p:cNvPicPr>
-              <a:picLocks noChangeAspect="1"/>
-            </p:cNvPicPr>
-            <p:nvPr/>
-          </p:nvPicPr>
-          <p:blipFill rotWithShape="1">
-            <a:blip r:embed="rId3" cstate="print">
-              <a:extLst>
-                <a:ext uri="{28A0092B-C50C-407E-A947-70E740481C1C}">
-                  <a14:useLocalDpi xmlns:a14="http://schemas.microsoft.com/office/drawing/2010/main" val="0"/>
-                </a:ext>
-              </a:extLst>
-            </a:blip>
-            <a:srcRect l="17808" r="19522"/>
-            <a:stretch/>
-          </p:blipFill>
-          <p:spPr>
-            <a:xfrm>
-              <a:off x="6213190" y="3573000"/>
-              <a:ext cx="524436" cy="836817"/>
-            </a:xfrm>
-            <a:prstGeom prst="rect">
-              <a:avLst/>
-            </a:prstGeom>
-          </p:spPr>
-        </p:pic>
-      </p:grpSp>
-      <p:sp>
-        <p:nvSpPr>
-          <p:cNvPr id="71" name="CaixaDeTexto 70"/>
-          <p:cNvSpPr txBox="1"/>
-          <p:nvPr/>
-        </p:nvSpPr>
-        <p:spPr>
-          <a:xfrm>
-            <a:off x="4870798" y="1425217"/>
-            <a:ext cx="2591304" cy="276999"/>
-          </a:xfrm>
-          <a:prstGeom prst="rect">
-            <a:avLst/>
-          </a:prstGeom>
-          <a:solidFill>
-            <a:schemeClr val="tx1"/>
-          </a:solidFill>
-        </p:spPr>
-        <p:txBody>
-          <a:bodyPr wrap="square" rtlCol="0">
-            <a:spAutoFit/>
-          </a:bodyPr>
-          <a:lstStyle/>
-          <a:p>
-            <a:pPr algn="ctr"/>
-            <a:r>
-              <a:rPr lang="pt-BR" sz="1200" b="1" dirty="0">
-                <a:solidFill>
-                  <a:schemeClr val="bg1"/>
-                </a:solidFill>
-              </a:rPr>
-              <a:t>Aplicação web para controle</a:t>
-            </a:r>
-          </a:p>
-        </p:txBody>
-      </p:sp>
-      <p:sp>
-        <p:nvSpPr>
-          <p:cNvPr id="84" name="CaixaDeTexto 83"/>
-          <p:cNvSpPr txBox="1"/>
-          <p:nvPr/>
-        </p:nvSpPr>
-        <p:spPr>
-          <a:xfrm>
-            <a:off x="6833600" y="4617407"/>
-            <a:ext cx="706581" cy="369332"/>
-          </a:xfrm>
-          <a:prstGeom prst="rect">
-            <a:avLst/>
-          </a:prstGeom>
-          <a:solidFill>
-            <a:schemeClr val="tx1"/>
-          </a:solidFill>
-        </p:spPr>
-        <p:txBody>
-          <a:bodyPr wrap="square" rtlCol="0">
-            <a:spAutoFit/>
-          </a:bodyPr>
-          <a:lstStyle/>
-          <a:p>
-            <a:r>
-              <a:rPr lang="pt-BR" b="1" dirty="0">
-                <a:solidFill>
-                  <a:schemeClr val="bg1"/>
-                </a:solidFill>
-                <a:latin typeface="Berlin Sans FB Demi" panose="020E0802020502020306" pitchFamily="34" charset="0"/>
-              </a:rPr>
-              <a:t>OSHI</a:t>
-            </a:r>
-          </a:p>
-        </p:txBody>
-      </p:sp>
       <p:pic>
         <p:nvPicPr>
-          <p:cNvPr id="48" name="Picture 2" descr="JivoChat: a melhor ferramenta de chat online para o seu site | Luciano  Larrossa"/>
-          <p:cNvPicPr>
-            <a:picLocks noChangeAspect="1" noChangeArrowheads="1"/>
-          </p:cNvPicPr>
-          <p:nvPr/>
-        </p:nvPicPr>
-        <p:blipFill rotWithShape="1">
-          <a:blip r:embed="rId4" cstate="print">
-            <a:extLst>
-              <a:ext uri="{28A0092B-C50C-407E-A947-70E740481C1C}">
-                <a14:useLocalDpi xmlns:a14="http://schemas.microsoft.com/office/drawing/2010/main" val="0"/>
-              </a:ext>
-            </a:extLst>
-          </a:blip>
-          <a:srcRect t="10054" r="-2864" b="10663"/>
-          <a:stretch/>
-        </p:blipFill>
-        <p:spPr bwMode="auto">
-          <a:xfrm>
-            <a:off x="3099482" y="206121"/>
-            <a:ext cx="416320" cy="411202"/>
-          </a:xfrm>
-          <a:prstGeom prst="rect">
-            <a:avLst/>
-          </a:prstGeom>
-          <a:noFill/>
-          <a:extLst>
-            <a:ext uri="{909E8E84-426E-40DD-AFC4-6F175D3DCCD1}">
-              <a14:hiddenFill xmlns:a14="http://schemas.microsoft.com/office/drawing/2010/main">
-                <a:solidFill>
-                  <a:srgbClr val="FFFFFF"/>
-                </a:solidFill>
-              </a14:hiddenFill>
-            </a:ext>
-          </a:extLst>
-        </p:spPr>
-      </p:pic>
-      <p:pic>
-        <p:nvPicPr>
-          <p:cNvPr id="32" name="Imagem 31"/>
+          <p:cNvPr id="4" name="Imagem 3"/>
           <p:cNvPicPr>
             <a:picLocks noChangeAspect="1"/>
           </p:cNvPicPr>
           <p:nvPr/>
         </p:nvPicPr>
         <p:blipFill>
-          <a:blip r:embed="rId5">
-            <a:extLst>
-              <a:ext uri="{28A0092B-C50C-407E-A947-70E740481C1C}">
-                <a14:useLocalDpi xmlns:a14="http://schemas.microsoft.com/office/drawing/2010/main" val="0"/>
-              </a:ext>
-            </a:extLst>
-          </a:blip>
+          <a:blip r:embed="rId2"/>
           <a:stretch>
             <a:fillRect/>
           </a:stretch>
         </p:blipFill>
         <p:spPr>
           <a:xfrm>
-            <a:off x="495310" y="210006"/>
-            <a:ext cx="2590557" cy="1347926"/>
-          </a:xfrm>
-          <a:prstGeom prst="rect">
-            <a:avLst/>
-          </a:prstGeom>
-        </p:spPr>
-      </p:pic>
-      <p:pic>
-        <p:nvPicPr>
-          <p:cNvPr id="24" name="Imagem 23"/>
-          <p:cNvPicPr>
-            <a:picLocks noChangeAspect="1"/>
-          </p:cNvPicPr>
-          <p:nvPr/>
-        </p:nvPicPr>
-        <p:blipFill>
-          <a:blip r:embed="rId6" cstate="print">
-            <a:extLst>
-              <a:ext uri="{28A0092B-C50C-407E-A947-70E740481C1C}">
-                <a14:useLocalDpi xmlns:a14="http://schemas.microsoft.com/office/drawing/2010/main" val="0"/>
-              </a:ext>
-            </a:extLst>
-          </a:blip>
-          <a:stretch>
-            <a:fillRect/>
-          </a:stretch>
-        </p:blipFill>
-        <p:spPr>
-          <a:xfrm>
-            <a:off x="5067308" y="2803066"/>
-            <a:ext cx="2196899" cy="415235"/>
-          </a:xfrm>
-          <a:prstGeom prst="rect">
-            <a:avLst/>
-          </a:prstGeom>
-        </p:spPr>
-      </p:pic>
-      <p:grpSp>
-        <p:nvGrpSpPr>
-          <p:cNvPr id="97" name="Google Shape;1513;p52"/>
-          <p:cNvGrpSpPr/>
-          <p:nvPr/>
-        </p:nvGrpSpPr>
-        <p:grpSpPr>
-          <a:xfrm>
-            <a:off x="5365349" y="1840935"/>
-            <a:ext cx="1599143" cy="957505"/>
-            <a:chOff x="3804623" y="931514"/>
-            <a:chExt cx="4311631" cy="3283920"/>
-          </a:xfrm>
-        </p:grpSpPr>
-        <p:grpSp>
-          <p:nvGrpSpPr>
-            <p:cNvPr id="101" name="Google Shape;1514;p52"/>
-            <p:cNvGrpSpPr/>
-            <p:nvPr/>
-          </p:nvGrpSpPr>
-          <p:grpSpPr>
-            <a:xfrm>
-              <a:off x="3804623" y="931514"/>
-              <a:ext cx="4311631" cy="3283920"/>
-              <a:chOff x="3420275" y="729475"/>
-              <a:chExt cx="4831500" cy="3679875"/>
-            </a:xfrm>
-          </p:grpSpPr>
-          <p:sp>
-            <p:nvSpPr>
-              <p:cNvPr id="103" name="Google Shape;1515;p52"/>
-              <p:cNvSpPr/>
-              <p:nvPr/>
-            </p:nvSpPr>
-            <p:spPr>
-              <a:xfrm>
-                <a:off x="3586250" y="883825"/>
-                <a:ext cx="4503600" cy="2746200"/>
-              </a:xfrm>
-              <a:prstGeom prst="rect">
-                <a:avLst/>
-              </a:prstGeom>
-              <a:noFill/>
-              <a:ln w="19050" cap="flat" cmpd="sng">
-                <a:solidFill>
-                  <a:schemeClr val="tx1"/>
-                </a:solidFill>
-                <a:prstDash val="solid"/>
-                <a:round/>
-                <a:headEnd type="none" w="sm" len="sm"/>
-                <a:tailEnd type="none" w="sm" len="sm"/>
-              </a:ln>
-            </p:spPr>
-            <p:txBody>
-              <a:bodyPr spcFirstLastPara="1" wrap="square" lIns="91425" tIns="91425" rIns="91425" bIns="91425" anchor="ctr" anchorCtr="0">
-                <a:noAutofit/>
-              </a:bodyPr>
-              <a:lstStyle/>
-              <a:p>
-                <a:pPr marL="0" lvl="0" indent="0" algn="l" rtl="0">
-                  <a:spcBef>
-                    <a:spcPts val="0"/>
-                  </a:spcBef>
-                  <a:spcAft>
-                    <a:spcPts val="0"/>
-                  </a:spcAft>
-                  <a:buNone/>
-                </a:pPr>
-                <a:endParaRPr b="1"/>
-              </a:p>
-            </p:txBody>
-          </p:sp>
-          <p:sp>
-            <p:nvSpPr>
-              <p:cNvPr id="104" name="Google Shape;1516;p52"/>
-              <p:cNvSpPr/>
-              <p:nvPr/>
-            </p:nvSpPr>
-            <p:spPr>
-              <a:xfrm>
-                <a:off x="5009044" y="3786200"/>
-                <a:ext cx="1649975" cy="623150"/>
-              </a:xfrm>
-              <a:custGeom>
-                <a:avLst/>
-                <a:gdLst/>
-                <a:ahLst/>
-                <a:cxnLst/>
-                <a:rect l="l" t="t" r="r" b="b"/>
-                <a:pathLst>
-                  <a:path w="65999" h="24926" extrusionOk="0">
-                    <a:moveTo>
-                      <a:pt x="13372" y="0"/>
-                    </a:moveTo>
-                    <a:cubicBezTo>
-                      <a:pt x="13051" y="1881"/>
-                      <a:pt x="12653" y="8225"/>
-                      <a:pt x="11445" y="11283"/>
-                    </a:cubicBezTo>
-                    <a:cubicBezTo>
-                      <a:pt x="10237" y="14341"/>
-                      <a:pt x="7883" y="16511"/>
-                      <a:pt x="6125" y="18346"/>
-                    </a:cubicBezTo>
-                    <a:cubicBezTo>
-                      <a:pt x="4367" y="20181"/>
-                      <a:pt x="1875" y="21297"/>
-                      <a:pt x="896" y="22291"/>
-                    </a:cubicBezTo>
-                    <a:cubicBezTo>
-                      <a:pt x="-82" y="23285"/>
-                      <a:pt x="-174" y="23896"/>
-                      <a:pt x="254" y="24309"/>
-                    </a:cubicBezTo>
-                    <a:cubicBezTo>
-                      <a:pt x="682" y="24722"/>
-                      <a:pt x="805" y="24692"/>
-                      <a:pt x="3465" y="24768"/>
-                    </a:cubicBezTo>
-                    <a:cubicBezTo>
-                      <a:pt x="6125" y="24845"/>
-                      <a:pt x="10925" y="24768"/>
-                      <a:pt x="16215" y="24768"/>
-                    </a:cubicBezTo>
-                    <a:cubicBezTo>
-                      <a:pt x="21505" y="24768"/>
-                      <a:pt x="28630" y="24768"/>
-                      <a:pt x="35204" y="24768"/>
-                    </a:cubicBezTo>
-                    <a:cubicBezTo>
-                      <a:pt x="41778" y="24768"/>
-                      <a:pt x="50783" y="24768"/>
-                      <a:pt x="55660" y="24768"/>
-                    </a:cubicBezTo>
-                    <a:cubicBezTo>
-                      <a:pt x="60537" y="24768"/>
-                      <a:pt x="62754" y="25104"/>
-                      <a:pt x="64466" y="24768"/>
-                    </a:cubicBezTo>
-                    <a:cubicBezTo>
-                      <a:pt x="66178" y="24432"/>
-                      <a:pt x="66056" y="23346"/>
-                      <a:pt x="65934" y="22750"/>
-                    </a:cubicBezTo>
-                    <a:cubicBezTo>
-                      <a:pt x="65812" y="22154"/>
-                      <a:pt x="65353" y="22765"/>
-                      <a:pt x="63732" y="21190"/>
-                    </a:cubicBezTo>
-                    <a:cubicBezTo>
-                      <a:pt x="62111" y="19615"/>
-                      <a:pt x="57999" y="16512"/>
-                      <a:pt x="56210" y="13301"/>
-                    </a:cubicBezTo>
-                    <a:cubicBezTo>
-                      <a:pt x="54421" y="10091"/>
-                      <a:pt x="53505" y="4083"/>
-                      <a:pt x="53000" y="1927"/>
-                    </a:cubicBezTo>
-                    <a:cubicBezTo>
-                      <a:pt x="52496" y="-229"/>
-                      <a:pt x="53153" y="627"/>
-                      <a:pt x="53183" y="367"/>
-                    </a:cubicBezTo>
-                  </a:path>
-                </a:pathLst>
-              </a:custGeom>
-              <a:noFill/>
-              <a:ln w="19050" cap="flat" cmpd="sng">
-                <a:solidFill>
-                  <a:schemeClr val="tx1"/>
-                </a:solidFill>
-                <a:prstDash val="solid"/>
-                <a:round/>
-                <a:headEnd type="none" w="med" len="med"/>
-                <a:tailEnd type="none" w="med" len="med"/>
-              </a:ln>
-            </p:spPr>
-          </p:sp>
-          <p:sp>
-            <p:nvSpPr>
-              <p:cNvPr id="105" name="Google Shape;1517;p52"/>
-              <p:cNvSpPr/>
-              <p:nvPr/>
-            </p:nvSpPr>
-            <p:spPr>
-              <a:xfrm>
-                <a:off x="3420275" y="729475"/>
-                <a:ext cx="4831500" cy="3056700"/>
-              </a:xfrm>
-              <a:prstGeom prst="roundRect">
-                <a:avLst>
-                  <a:gd name="adj" fmla="val 3857"/>
-                </a:avLst>
-              </a:prstGeom>
-              <a:noFill/>
-              <a:ln w="19050" cap="flat" cmpd="sng">
-                <a:solidFill>
-                  <a:schemeClr val="tx1"/>
-                </a:solidFill>
-                <a:prstDash val="solid"/>
-                <a:round/>
-                <a:headEnd type="none" w="sm" len="sm"/>
-                <a:tailEnd type="none" w="sm" len="sm"/>
-              </a:ln>
-            </p:spPr>
-            <p:txBody>
-              <a:bodyPr spcFirstLastPara="1" wrap="square" lIns="91425" tIns="91425" rIns="91425" bIns="91425" anchor="ctr" anchorCtr="0">
-                <a:noAutofit/>
-              </a:bodyPr>
-              <a:lstStyle/>
-              <a:p>
-                <a:pPr marL="0" lvl="0" indent="0" algn="l" rtl="0">
-                  <a:spcBef>
-                    <a:spcPts val="0"/>
-                  </a:spcBef>
-                  <a:spcAft>
-                    <a:spcPts val="0"/>
-                  </a:spcAft>
-                  <a:buNone/>
-                </a:pPr>
-                <a:endParaRPr b="1"/>
-              </a:p>
-            </p:txBody>
-          </p:sp>
-          <p:sp>
-            <p:nvSpPr>
-              <p:cNvPr id="106" name="Google Shape;1518;p52"/>
-              <p:cNvSpPr/>
-              <p:nvPr/>
-            </p:nvSpPr>
-            <p:spPr>
-              <a:xfrm>
-                <a:off x="3453125" y="762775"/>
-                <a:ext cx="4765800" cy="2990100"/>
-              </a:xfrm>
-              <a:prstGeom prst="roundRect">
-                <a:avLst>
-                  <a:gd name="adj" fmla="val 3282"/>
-                </a:avLst>
-              </a:prstGeom>
-              <a:noFill/>
-              <a:ln w="19050" cap="flat" cmpd="sng">
-                <a:solidFill>
-                  <a:schemeClr val="tx1"/>
-                </a:solidFill>
-                <a:prstDash val="solid"/>
-                <a:round/>
-                <a:headEnd type="none" w="sm" len="sm"/>
-                <a:tailEnd type="none" w="sm" len="sm"/>
-              </a:ln>
-            </p:spPr>
-            <p:txBody>
-              <a:bodyPr spcFirstLastPara="1" wrap="square" lIns="91425" tIns="91425" rIns="91425" bIns="91425" anchor="ctr" anchorCtr="0">
-                <a:noAutofit/>
-              </a:bodyPr>
-              <a:lstStyle/>
-              <a:p>
-                <a:pPr marL="0" lvl="0" indent="0" algn="l" rtl="0">
-                  <a:spcBef>
-                    <a:spcPts val="0"/>
-                  </a:spcBef>
-                  <a:spcAft>
-                    <a:spcPts val="0"/>
-                  </a:spcAft>
-                  <a:buNone/>
-                </a:pPr>
-                <a:endParaRPr b="1"/>
-              </a:p>
-            </p:txBody>
-          </p:sp>
-        </p:grpSp>
-        <p:cxnSp>
-          <p:nvCxnSpPr>
-            <p:cNvPr id="102" name="Google Shape;1519;p52"/>
-            <p:cNvCxnSpPr/>
-            <p:nvPr/>
-          </p:nvCxnSpPr>
-          <p:spPr>
-            <a:xfrm>
-              <a:off x="5238353" y="4162783"/>
-              <a:ext cx="1451100" cy="0"/>
-            </a:xfrm>
-            <a:prstGeom prst="straightConnector1">
-              <a:avLst/>
-            </a:prstGeom>
-            <a:noFill/>
-            <a:ln w="19050" cap="flat" cmpd="sng">
-              <a:solidFill>
-                <a:schemeClr val="tx1"/>
-              </a:solidFill>
-              <a:prstDash val="solid"/>
-              <a:round/>
-              <a:headEnd type="none" w="med" len="med"/>
-              <a:tailEnd type="none" w="med" len="med"/>
-            </a:ln>
-          </p:spPr>
-        </p:cxnSp>
-      </p:grpSp>
-      <p:pic>
-        <p:nvPicPr>
-          <p:cNvPr id="26" name="Imagem 25"/>
-          <p:cNvPicPr>
-            <a:picLocks noChangeAspect="1"/>
-          </p:cNvPicPr>
-          <p:nvPr/>
-        </p:nvPicPr>
-        <p:blipFill>
-          <a:blip r:embed="rId7" cstate="print">
-            <a:extLst>
-              <a:ext uri="{28A0092B-C50C-407E-A947-70E740481C1C}">
-                <a14:useLocalDpi xmlns:a14="http://schemas.microsoft.com/office/drawing/2010/main" val="0"/>
-              </a:ext>
-            </a:extLst>
-          </a:blip>
-          <a:stretch>
-            <a:fillRect/>
-          </a:stretch>
-        </p:blipFill>
-        <p:spPr>
-          <a:xfrm>
-            <a:off x="5485779" y="6165573"/>
-            <a:ext cx="1364910" cy="457423"/>
-          </a:xfrm>
-          <a:prstGeom prst="rect">
-            <a:avLst/>
-          </a:prstGeom>
-        </p:spPr>
-      </p:pic>
-      <p:sp>
-        <p:nvSpPr>
-          <p:cNvPr id="107" name="CaixaDeTexto 106"/>
-          <p:cNvSpPr txBox="1"/>
-          <p:nvPr/>
-        </p:nvSpPr>
-        <p:spPr>
-          <a:xfrm>
-            <a:off x="5617783" y="4339060"/>
-            <a:ext cx="1096887" cy="276999"/>
-          </a:xfrm>
-          <a:prstGeom prst="rect">
-            <a:avLst/>
-          </a:prstGeom>
-          <a:solidFill>
-            <a:schemeClr val="tx1"/>
-          </a:solidFill>
-        </p:spPr>
-        <p:txBody>
-          <a:bodyPr wrap="square" lIns="91440" tIns="45720" rIns="91440" bIns="45720" rtlCol="0" anchor="t">
-            <a:spAutoFit/>
-          </a:bodyPr>
-          <a:lstStyle/>
-          <a:p>
-            <a:pPr algn="ctr"/>
-            <a:r>
-              <a:rPr lang="pt-BR" sz="1200" b="1" dirty="0">
-                <a:solidFill>
-                  <a:schemeClr val="bg1"/>
-                </a:solidFill>
-              </a:rPr>
-              <a:t>Aplicação Java</a:t>
-            </a:r>
-          </a:p>
-        </p:txBody>
-      </p:sp>
-      <p:pic>
-        <p:nvPicPr>
-          <p:cNvPr id="30" name="Imagem 29"/>
-          <p:cNvPicPr>
-            <a:picLocks noChangeAspect="1"/>
-          </p:cNvPicPr>
-          <p:nvPr/>
-        </p:nvPicPr>
-        <p:blipFill>
-          <a:blip r:embed="rId8" cstate="print">
-            <a:extLst>
-              <a:ext uri="{28A0092B-C50C-407E-A947-70E740481C1C}">
-                <a14:useLocalDpi xmlns:a14="http://schemas.microsoft.com/office/drawing/2010/main" val="0"/>
-              </a:ext>
-            </a:extLst>
-          </a:blip>
-          <a:stretch>
-            <a:fillRect/>
-          </a:stretch>
-        </p:blipFill>
-        <p:spPr>
-          <a:xfrm>
-            <a:off x="786943" y="918638"/>
-            <a:ext cx="452513" cy="452513"/>
-          </a:xfrm>
-          <a:prstGeom prst="rect">
-            <a:avLst/>
-          </a:prstGeom>
-        </p:spPr>
-      </p:pic>
-      <p:pic>
-        <p:nvPicPr>
-          <p:cNvPr id="108" name="Imagem 107"/>
-          <p:cNvPicPr>
-            <a:picLocks noChangeAspect="1"/>
-          </p:cNvPicPr>
-          <p:nvPr/>
-        </p:nvPicPr>
-        <p:blipFill>
-          <a:blip r:embed="rId9" cstate="print">
-            <a:extLst>
-              <a:ext uri="{28A0092B-C50C-407E-A947-70E740481C1C}">
-                <a14:useLocalDpi xmlns:a14="http://schemas.microsoft.com/office/drawing/2010/main" val="0"/>
-              </a:ext>
-            </a:extLst>
-          </a:blip>
-          <a:stretch>
-            <a:fillRect/>
-          </a:stretch>
-        </p:blipFill>
-        <p:spPr>
-          <a:xfrm>
-            <a:off x="1598087" y="958001"/>
-            <a:ext cx="653643" cy="614228"/>
-          </a:xfrm>
-          <a:prstGeom prst="rect">
-            <a:avLst/>
-          </a:prstGeom>
-        </p:spPr>
-      </p:pic>
-      <p:pic>
-        <p:nvPicPr>
-          <p:cNvPr id="109" name="Imagem 108"/>
-          <p:cNvPicPr>
-            <a:picLocks noChangeAspect="1"/>
-          </p:cNvPicPr>
-          <p:nvPr/>
-        </p:nvPicPr>
-        <p:blipFill>
-          <a:blip r:embed="rId10" cstate="print">
-            <a:extLst>
-              <a:ext uri="{28A0092B-C50C-407E-A947-70E740481C1C}">
-                <a14:useLocalDpi xmlns:a14="http://schemas.microsoft.com/office/drawing/2010/main" val="0"/>
-              </a:ext>
-            </a:extLst>
-          </a:blip>
-          <a:stretch>
-            <a:fillRect/>
-          </a:stretch>
-        </p:blipFill>
-        <p:spPr>
-          <a:xfrm>
-            <a:off x="1315451" y="377032"/>
-            <a:ext cx="694797" cy="370244"/>
-          </a:xfrm>
-          <a:prstGeom prst="rect">
-            <a:avLst/>
-          </a:prstGeom>
-        </p:spPr>
-      </p:pic>
-      <p:pic>
-        <p:nvPicPr>
-          <p:cNvPr id="110" name="Imagem 109"/>
-          <p:cNvPicPr>
-            <a:picLocks noChangeAspect="1"/>
-          </p:cNvPicPr>
-          <p:nvPr/>
-        </p:nvPicPr>
-        <p:blipFill>
-          <a:blip r:embed="rId11" cstate="print">
-            <a:extLst>
-              <a:ext uri="{28A0092B-C50C-407E-A947-70E740481C1C}">
-                <a14:useLocalDpi xmlns:a14="http://schemas.microsoft.com/office/drawing/2010/main" val="0"/>
-              </a:ext>
-            </a:extLst>
-          </a:blip>
-          <a:stretch>
-            <a:fillRect/>
-          </a:stretch>
-        </p:blipFill>
-        <p:spPr>
-          <a:xfrm>
-            <a:off x="1857476" y="785763"/>
-            <a:ext cx="263478" cy="263478"/>
-          </a:xfrm>
-          <a:prstGeom prst="rect">
-            <a:avLst/>
-          </a:prstGeom>
-        </p:spPr>
-      </p:pic>
-      <p:pic>
-        <p:nvPicPr>
-          <p:cNvPr id="41" name="Imagem 40"/>
-          <p:cNvPicPr>
-            <a:picLocks noChangeAspect="1"/>
-          </p:cNvPicPr>
-          <p:nvPr/>
-        </p:nvPicPr>
-        <p:blipFill>
-          <a:blip r:embed="rId12" cstate="print">
-            <a:extLst>
-              <a:ext uri="{28A0092B-C50C-407E-A947-70E740481C1C}">
-                <a14:useLocalDpi xmlns:a14="http://schemas.microsoft.com/office/drawing/2010/main" val="0"/>
-              </a:ext>
-            </a:extLst>
-          </a:blip>
-          <a:stretch>
-            <a:fillRect/>
-          </a:stretch>
-        </p:blipFill>
-        <p:spPr>
-          <a:xfrm>
-            <a:off x="1182483" y="1524182"/>
-            <a:ext cx="960716" cy="274628"/>
-          </a:xfrm>
-          <a:prstGeom prst="rect">
-            <a:avLst/>
-          </a:prstGeom>
-        </p:spPr>
-      </p:pic>
-      <p:sp>
-        <p:nvSpPr>
-          <p:cNvPr id="113" name="CaixaDeTexto 112"/>
-          <p:cNvSpPr txBox="1"/>
-          <p:nvPr/>
-        </p:nvSpPr>
-        <p:spPr>
-          <a:xfrm>
-            <a:off x="359207" y="148083"/>
-            <a:ext cx="662995" cy="307777"/>
-          </a:xfrm>
-          <a:prstGeom prst="rect">
-            <a:avLst/>
-          </a:prstGeom>
-          <a:solidFill>
-            <a:schemeClr val="tx1"/>
-          </a:solidFill>
-        </p:spPr>
-        <p:txBody>
-          <a:bodyPr wrap="square" lIns="91440" tIns="45720" rIns="91440" bIns="45720" rtlCol="0" anchor="t">
-            <a:spAutoFit/>
-          </a:bodyPr>
-          <a:lstStyle/>
-          <a:p>
-            <a:pPr algn="ctr"/>
-            <a:r>
-              <a:rPr lang="pt-BR" sz="1400" dirty="0">
-                <a:solidFill>
-                  <a:schemeClr val="bg1"/>
-                </a:solidFill>
-              </a:rPr>
-              <a:t>Cloud</a:t>
-            </a:r>
-          </a:p>
-        </p:txBody>
-      </p:sp>
-      <p:pic>
-        <p:nvPicPr>
-          <p:cNvPr id="116" name="Imagem 115"/>
-          <p:cNvPicPr>
-            <a:picLocks noChangeAspect="1"/>
-          </p:cNvPicPr>
-          <p:nvPr/>
-        </p:nvPicPr>
-        <p:blipFill>
-          <a:blip r:embed="rId13" cstate="print">
-            <a:extLst>
-              <a:ext uri="{28A0092B-C50C-407E-A947-70E740481C1C}">
-                <a14:useLocalDpi xmlns:a14="http://schemas.microsoft.com/office/drawing/2010/main" val="0"/>
-              </a:ext>
-            </a:extLst>
-          </a:blip>
-          <a:stretch>
-            <a:fillRect/>
-          </a:stretch>
-        </p:blipFill>
-        <p:spPr>
-          <a:xfrm>
-            <a:off x="2202920" y="884145"/>
-            <a:ext cx="689555" cy="327309"/>
-          </a:xfrm>
-          <a:prstGeom prst="rect">
-            <a:avLst/>
-          </a:prstGeom>
-        </p:spPr>
-      </p:pic>
-      <p:pic>
-        <p:nvPicPr>
-          <p:cNvPr id="119" name="Imagem 118"/>
-          <p:cNvPicPr>
-            <a:picLocks noChangeAspect="1"/>
-          </p:cNvPicPr>
-          <p:nvPr/>
-        </p:nvPicPr>
-        <p:blipFill>
-          <a:blip r:embed="rId14" cstate="print">
-            <a:extLst>
-              <a:ext uri="{28A0092B-C50C-407E-A947-70E740481C1C}">
-                <a14:useLocalDpi xmlns:a14="http://schemas.microsoft.com/office/drawing/2010/main" val="0"/>
-              </a:ext>
-            </a:extLst>
-          </a:blip>
-          <a:stretch>
-            <a:fillRect/>
-          </a:stretch>
-        </p:blipFill>
-        <p:spPr>
-          <a:xfrm>
-            <a:off x="1414284" y="774070"/>
-            <a:ext cx="367807" cy="367807"/>
-          </a:xfrm>
-          <a:prstGeom prst="rect">
-            <a:avLst/>
-          </a:prstGeom>
-        </p:spPr>
-      </p:pic>
-      <p:pic>
-        <p:nvPicPr>
-          <p:cNvPr id="122" name="Imagem 121"/>
-          <p:cNvPicPr>
-            <a:picLocks noChangeAspect="1"/>
-          </p:cNvPicPr>
-          <p:nvPr/>
-        </p:nvPicPr>
-        <p:blipFill rotWithShape="1">
-          <a:blip r:embed="rId15" cstate="print">
-            <a:extLst>
-              <a:ext uri="{28A0092B-C50C-407E-A947-70E740481C1C}">
-                <a14:useLocalDpi xmlns:a14="http://schemas.microsoft.com/office/drawing/2010/main" val="0"/>
-              </a:ext>
-            </a:extLst>
-          </a:blip>
-          <a:srcRect l="15746" t="9293" r="19756" b="19192"/>
-          <a:stretch/>
-        </p:blipFill>
-        <p:spPr>
-          <a:xfrm>
-            <a:off x="5035356" y="4668039"/>
-            <a:ext cx="524530" cy="597811"/>
-          </a:xfrm>
-          <a:prstGeom prst="rect">
-            <a:avLst/>
-          </a:prstGeom>
-        </p:spPr>
-      </p:pic>
-      <p:pic>
-        <p:nvPicPr>
-          <p:cNvPr id="157" name="Imagem 156"/>
-          <p:cNvPicPr>
-            <a:picLocks noChangeAspect="1"/>
-          </p:cNvPicPr>
-          <p:nvPr/>
-        </p:nvPicPr>
-        <p:blipFill rotWithShape="1">
-          <a:blip r:embed="rId16" cstate="print">
-            <a:extLst>
-              <a:ext uri="{28A0092B-C50C-407E-A947-70E740481C1C}">
-                <a14:useLocalDpi xmlns:a14="http://schemas.microsoft.com/office/drawing/2010/main" val="0"/>
-              </a:ext>
-            </a:extLst>
-          </a:blip>
-          <a:srcRect l="38194" t="16772" b="16980"/>
-          <a:stretch/>
-        </p:blipFill>
-        <p:spPr>
-          <a:xfrm>
-            <a:off x="6422058" y="5511127"/>
-            <a:ext cx="620813" cy="312420"/>
-          </a:xfrm>
-          <a:prstGeom prst="rect">
-            <a:avLst/>
-          </a:prstGeom>
-        </p:spPr>
-      </p:pic>
-      <p:sp>
-        <p:nvSpPr>
-          <p:cNvPr id="7" name="TextBox 6">
-            <a:extLst>
-              <a:ext uri="{FF2B5EF4-FFF2-40B4-BE49-F238E27FC236}">
-                <a16:creationId xmlns:a16="http://schemas.microsoft.com/office/drawing/2014/main" id="{3D343346-ED69-4772-AC77-FD26F6E45BFC}"/>
-              </a:ext>
-            </a:extLst>
-          </p:cNvPr>
-          <p:cNvSpPr txBox="1"/>
-          <p:nvPr/>
-        </p:nvSpPr>
-        <p:spPr>
-          <a:xfrm>
-            <a:off x="5186040" y="5475269"/>
-            <a:ext cx="1708030" cy="338554"/>
-          </a:xfrm>
-          <a:prstGeom prst="rect">
-            <a:avLst/>
-          </a:prstGeom>
-          <a:noFill/>
-        </p:spPr>
-        <p:txBody>
-          <a:bodyPr rot="0" spcFirstLastPara="0" vertOverflow="overflow" horzOverflow="overflow" vert="horz" wrap="square" lIns="91440" tIns="45720" rIns="91440" bIns="45720" numCol="1" spcCol="0" rtlCol="0" fromWordArt="0" anchor="t" anchorCtr="0" forceAA="0" compatLnSpc="1">
-            <a:prstTxWarp prst="textNoShape">
-              <a:avLst/>
-            </a:prstTxWarp>
-            <a:spAutoFit/>
-          </a:bodyPr>
-          <a:lstStyle/>
-          <a:p>
-            <a:pPr algn="l"/>
-            <a:r>
-              <a:rPr lang="en-US" sz="1600" dirty="0" err="1">
-                <a:latin typeface="Comic Sans MS"/>
-                <a:cs typeface="Calibri"/>
-              </a:rPr>
-              <a:t>JSensors</a:t>
-            </a:r>
-            <a:endParaRPr lang="en-US" sz="1600" dirty="0">
-              <a:latin typeface="Comic Sans MS"/>
-              <a:cs typeface="Calibri"/>
-            </a:endParaRPr>
-          </a:p>
-        </p:txBody>
-      </p:sp>
-      <p:sp>
-        <p:nvSpPr>
-          <p:cNvPr id="44" name="Retângulo 1">
-            <a:extLst>
-              <a:ext uri="{FF2B5EF4-FFF2-40B4-BE49-F238E27FC236}">
-                <a16:creationId xmlns:a16="http://schemas.microsoft.com/office/drawing/2014/main" id="{4C86171D-10F1-4C30-B759-2214160265EC}"/>
-              </a:ext>
-            </a:extLst>
-          </p:cNvPr>
-          <p:cNvSpPr/>
-          <p:nvPr/>
-        </p:nvSpPr>
-        <p:spPr>
-          <a:xfrm>
-            <a:off x="8612455" y="152151"/>
-            <a:ext cx="3259550" cy="1699740"/>
-          </a:xfrm>
-          <a:prstGeom prst="rect">
-            <a:avLst/>
-          </a:prstGeom>
-          <a:solidFill>
-            <a:schemeClr val="bg1"/>
-          </a:solidFill>
-          <a:ln w="28575">
-            <a:solidFill>
-              <a:schemeClr val="tx1"/>
-            </a:solidFill>
-          </a:ln>
-        </p:spPr>
-        <p:style>
-          <a:lnRef idx="2">
-            <a:schemeClr val="accent1">
-              <a:shade val="50000"/>
-            </a:schemeClr>
-          </a:lnRef>
-          <a:fillRef idx="1">
-            <a:schemeClr val="accent1"/>
-          </a:fillRef>
-          <a:effectRef idx="0">
-            <a:schemeClr val="accent1"/>
-          </a:effectRef>
-          <a:fontRef idx="minor">
-            <a:schemeClr val="lt1"/>
-          </a:fontRef>
-        </p:style>
-        <p:txBody>
-          <a:bodyPr rtlCol="0" anchor="ctr"/>
-          <a:lstStyle/>
-          <a:p>
-            <a:pPr algn="ctr"/>
-            <a:endParaRPr lang="pt-BR"/>
-          </a:p>
-        </p:txBody>
-      </p:sp>
-      <p:sp>
-        <p:nvSpPr>
-          <p:cNvPr id="114" name="CaixaDeTexto 113"/>
-          <p:cNvSpPr txBox="1"/>
-          <p:nvPr/>
-        </p:nvSpPr>
-        <p:spPr>
-          <a:xfrm>
-            <a:off x="11032930" y="148684"/>
-            <a:ext cx="846925" cy="307777"/>
-          </a:xfrm>
-          <a:prstGeom prst="rect">
-            <a:avLst/>
-          </a:prstGeom>
-          <a:solidFill>
-            <a:schemeClr val="tx1"/>
-          </a:solidFill>
-        </p:spPr>
-        <p:txBody>
-          <a:bodyPr wrap="square" lIns="91440" tIns="45720" rIns="91440" bIns="45720" rtlCol="0" anchor="t">
-            <a:spAutoFit/>
-          </a:bodyPr>
-          <a:lstStyle/>
-          <a:p>
-            <a:pPr algn="ctr"/>
-            <a:r>
-              <a:rPr lang="pt-BR" sz="1400" dirty="0">
-                <a:solidFill>
-                  <a:schemeClr val="bg1"/>
-                </a:solidFill>
-              </a:rPr>
-              <a:t>Cloud</a:t>
-            </a:r>
-          </a:p>
-        </p:txBody>
-      </p:sp>
-      <p:pic>
-        <p:nvPicPr>
-          <p:cNvPr id="82" name="Imagem 81"/>
-          <p:cNvPicPr>
-            <a:picLocks noChangeAspect="1"/>
-          </p:cNvPicPr>
-          <p:nvPr/>
-        </p:nvPicPr>
-        <p:blipFill>
-          <a:blip r:embed="rId17" cstate="print">
-            <a:extLst>
-              <a:ext uri="{28A0092B-C50C-407E-A947-70E740481C1C}">
-                <a14:useLocalDpi xmlns:a14="http://schemas.microsoft.com/office/drawing/2010/main" val="0"/>
-              </a:ext>
-            </a:extLst>
-          </a:blip>
-          <a:stretch>
-            <a:fillRect/>
-          </a:stretch>
-        </p:blipFill>
-        <p:spPr>
-          <a:xfrm>
-            <a:off x="8712321" y="-11058"/>
-            <a:ext cx="3047223" cy="2198033"/>
-          </a:xfrm>
-          <a:prstGeom prst="rect">
-            <a:avLst/>
-          </a:prstGeom>
-        </p:spPr>
-      </p:pic>
-      <p:cxnSp>
-        <p:nvCxnSpPr>
-          <p:cNvPr id="16" name="Straight Arrow Connector 15">
-            <a:extLst>
-              <a:ext uri="{FF2B5EF4-FFF2-40B4-BE49-F238E27FC236}">
-                <a16:creationId xmlns:a16="http://schemas.microsoft.com/office/drawing/2014/main" id="{4B7E94C2-2DB8-4E3D-9099-591DE191811A}"/>
-              </a:ext>
-            </a:extLst>
-          </p:cNvPr>
-          <p:cNvCxnSpPr/>
-          <p:nvPr/>
-        </p:nvCxnSpPr>
-        <p:spPr>
-          <a:xfrm flipV="1">
-            <a:off x="7000217" y="458054"/>
-            <a:ext cx="1615965" cy="26276"/>
-          </a:xfrm>
-          <a:prstGeom prst="straightConnector1">
-            <a:avLst/>
-          </a:prstGeom>
-          <a:ln w="57150">
-            <a:solidFill>
-              <a:schemeClr val="bg1"/>
-            </a:solidFill>
-          </a:ln>
-        </p:spPr>
-        <p:style>
-          <a:lnRef idx="1">
-            <a:schemeClr val="accent1"/>
-          </a:lnRef>
-          <a:fillRef idx="0">
-            <a:schemeClr val="accent1"/>
-          </a:fillRef>
-          <a:effectRef idx="0">
-            <a:schemeClr val="accent1"/>
-          </a:effectRef>
-          <a:fontRef idx="minor">
-            <a:schemeClr val="tx1"/>
-          </a:fontRef>
-        </p:style>
-      </p:cxnSp>
-      <p:cxnSp>
-        <p:nvCxnSpPr>
-          <p:cNvPr id="65" name="Straight Arrow Connector 64">
-            <a:extLst>
-              <a:ext uri="{FF2B5EF4-FFF2-40B4-BE49-F238E27FC236}">
-                <a16:creationId xmlns:a16="http://schemas.microsoft.com/office/drawing/2014/main" id="{063595AA-63AD-46DC-8E21-3EFEE712B6FF}"/>
-              </a:ext>
-            </a:extLst>
-          </p:cNvPr>
-          <p:cNvCxnSpPr>
-            <a:cxnSpLocks/>
-          </p:cNvCxnSpPr>
-          <p:nvPr/>
-        </p:nvCxnSpPr>
-        <p:spPr>
-          <a:xfrm flipV="1">
-            <a:off x="3623768" y="471191"/>
-            <a:ext cx="1537138" cy="1"/>
-          </a:xfrm>
-          <a:prstGeom prst="straightConnector1">
-            <a:avLst/>
-          </a:prstGeom>
-          <a:ln w="57150">
-            <a:solidFill>
-              <a:schemeClr val="bg1"/>
-            </a:solidFill>
-          </a:ln>
-        </p:spPr>
-        <p:style>
-          <a:lnRef idx="1">
-            <a:schemeClr val="accent1"/>
-          </a:lnRef>
-          <a:fillRef idx="0">
-            <a:schemeClr val="accent1"/>
-          </a:fillRef>
-          <a:effectRef idx="0">
-            <a:schemeClr val="accent1"/>
-          </a:effectRef>
-          <a:fontRef idx="minor">
-            <a:schemeClr val="tx1"/>
-          </a:fontRef>
-        </p:style>
-      </p:cxnSp>
-      <p:cxnSp>
-        <p:nvCxnSpPr>
-          <p:cNvPr id="19" name="Straight Arrow Connector 18">
-            <a:extLst>
-              <a:ext uri="{FF2B5EF4-FFF2-40B4-BE49-F238E27FC236}">
-                <a16:creationId xmlns:a16="http://schemas.microsoft.com/office/drawing/2014/main" id="{AEED7411-7908-4188-B8E9-44A25680E900}"/>
-              </a:ext>
-            </a:extLst>
-          </p:cNvPr>
-          <p:cNvCxnSpPr/>
-          <p:nvPr/>
-        </p:nvCxnSpPr>
-        <p:spPr>
-          <a:xfrm flipH="1">
-            <a:off x="5139982" y="492538"/>
-            <a:ext cx="5255" cy="769885"/>
-          </a:xfrm>
-          <a:prstGeom prst="straightConnector1">
-            <a:avLst/>
-          </a:prstGeom>
-          <a:ln w="57150">
-            <a:solidFill>
-              <a:schemeClr val="bg1"/>
-            </a:solidFill>
-            <a:tailEnd type="triangle"/>
-          </a:ln>
-        </p:spPr>
-        <p:style>
-          <a:lnRef idx="3">
-            <a:schemeClr val="dk1"/>
-          </a:lnRef>
-          <a:fillRef idx="0">
-            <a:schemeClr val="dk1"/>
-          </a:fillRef>
-          <a:effectRef idx="2">
-            <a:schemeClr val="dk1"/>
-          </a:effectRef>
-          <a:fontRef idx="minor">
-            <a:schemeClr val="tx1"/>
-          </a:fontRef>
-        </p:style>
-      </p:cxnSp>
-      <p:cxnSp>
-        <p:nvCxnSpPr>
-          <p:cNvPr id="67" name="Straight Arrow Connector 66">
-            <a:extLst>
-              <a:ext uri="{FF2B5EF4-FFF2-40B4-BE49-F238E27FC236}">
-                <a16:creationId xmlns:a16="http://schemas.microsoft.com/office/drawing/2014/main" id="{CD343F72-BC43-4738-A86D-0708EA8296A8}"/>
-              </a:ext>
-            </a:extLst>
-          </p:cNvPr>
-          <p:cNvCxnSpPr>
-            <a:cxnSpLocks/>
-          </p:cNvCxnSpPr>
-          <p:nvPr/>
-        </p:nvCxnSpPr>
-        <p:spPr>
-          <a:xfrm flipH="1">
-            <a:off x="7018055" y="477209"/>
-            <a:ext cx="5255" cy="769885"/>
-          </a:xfrm>
-          <a:prstGeom prst="straightConnector1">
-            <a:avLst/>
-          </a:prstGeom>
-          <a:ln w="57150">
-            <a:solidFill>
-              <a:schemeClr val="bg1"/>
-            </a:solidFill>
-            <a:tailEnd type="triangle"/>
-          </a:ln>
-        </p:spPr>
-        <p:style>
-          <a:lnRef idx="3">
-            <a:schemeClr val="dk1"/>
-          </a:lnRef>
-          <a:fillRef idx="0">
-            <a:schemeClr val="dk1"/>
-          </a:fillRef>
-          <a:effectRef idx="2">
-            <a:schemeClr val="dk1"/>
-          </a:effectRef>
-          <a:fontRef idx="minor">
-            <a:schemeClr val="tx1"/>
-          </a:fontRef>
-        </p:style>
-      </p:cxnSp>
-      <p:pic>
-        <p:nvPicPr>
-          <p:cNvPr id="47" name="Imagem 46"/>
-          <p:cNvPicPr>
-            <a:picLocks noChangeAspect="1"/>
-          </p:cNvPicPr>
-          <p:nvPr/>
-        </p:nvPicPr>
-        <p:blipFill>
-          <a:blip r:embed="rId18"/>
-          <a:stretch>
-            <a:fillRect/>
-          </a:stretch>
-        </p:blipFill>
-        <p:spPr>
-          <a:xfrm>
-            <a:off x="123177" y="6394284"/>
-            <a:ext cx="1667411" cy="387928"/>
+            <a:off x="932659" y="435513"/>
+            <a:ext cx="10164144" cy="5726136"/>
           </a:xfrm>
           <a:prstGeom prst="rect">
             <a:avLst/>
@@ -5851,7 +3902,7 @@
     </p:spTree>
     <p:extLst>
       <p:ext uri="{BB962C8B-B14F-4D97-AF65-F5344CB8AC3E}">
-        <p14:creationId xmlns:p14="http://schemas.microsoft.com/office/powerpoint/2010/main" val="4092178875"/>
+        <p14:creationId xmlns:p14="http://schemas.microsoft.com/office/powerpoint/2010/main" val="4047179984"/>
       </p:ext>
     </p:extLst>
   </p:cSld>
